--- a/18-data-visualization/Contenido Semana 3/7.1. Presentación - Introducción a un Tablero de Información.pptx
+++ b/18-data-visualization/Contenido Semana 3/7.1. Presentación - Introducción a un Tablero de Información.pptx
@@ -5,35 +5,36 @@
     <p:sldMasterId id="2147483670" r:id="rId1"/>
   </p:sldMasterIdLst>
   <p:notesMasterIdLst>
-    <p:notesMasterId r:id="rId4"/>
+    <p:notesMasterId r:id="rId5"/>
   </p:notesMasterIdLst>
   <p:sldIdLst>
     <p:sldId id="282" r:id="rId2"/>
     <p:sldId id="283" r:id="rId3"/>
+    <p:sldId id="284" r:id="rId4"/>
   </p:sldIdLst>
   <p:sldSz cx="9144000" cy="6858000" type="screen4x3"/>
   <p:notesSz cx="6858000" cy="9144000"/>
   <p:embeddedFontLst>
     <p:embeddedFont>
-      <p:font typeface="Montserrat" panose="020B0604020202020204" charset="0"/>
-      <p:regular r:id="rId5"/>
-      <p:bold r:id="rId6"/>
-      <p:italic r:id="rId7"/>
-      <p:boldItalic r:id="rId8"/>
+      <p:font typeface="Calibri" panose="020F0502020204030204" pitchFamily="34" charset="0"/>
+      <p:regular r:id="rId6"/>
+      <p:bold r:id="rId7"/>
+      <p:italic r:id="rId8"/>
+      <p:boldItalic r:id="rId9"/>
     </p:embeddedFont>
     <p:embeddedFont>
       <p:font typeface="Raleway" panose="020B0604020202020204" charset="0"/>
-      <p:regular r:id="rId9"/>
-      <p:bold r:id="rId10"/>
-      <p:italic r:id="rId11"/>
-      <p:boldItalic r:id="rId12"/>
+      <p:regular r:id="rId10"/>
+      <p:bold r:id="rId11"/>
+      <p:italic r:id="rId12"/>
+      <p:boldItalic r:id="rId13"/>
     </p:embeddedFont>
     <p:embeddedFont>
-      <p:font typeface="Calibri" panose="020F0502020204030204" pitchFamily="34" charset="0"/>
-      <p:regular r:id="rId13"/>
-      <p:bold r:id="rId14"/>
-      <p:italic r:id="rId15"/>
-      <p:boldItalic r:id="rId16"/>
+      <p:font typeface="Montserrat" panose="020B0604020202020204" charset="0"/>
+      <p:regular r:id="rId14"/>
+      <p:bold r:id="rId15"/>
+      <p:italic r:id="rId16"/>
+      <p:boldItalic r:id="rId17"/>
     </p:embeddedFont>
   </p:embeddedFontLst>
   <p:defaultTextStyle>
@@ -1270,7 +1271,7 @@
               </a:spcBef>
               <a:buNone/>
             </a:pPr>
-            <a:endParaRPr/>
+            <a:endParaRPr dirty="0"/>
           </a:p>
         </p:txBody>
       </p:sp>
@@ -1319,6 +1320,112 @@
     <p:extLst>
       <p:ext uri="{BB962C8B-B14F-4D97-AF65-F5344CB8AC3E}">
         <p14:creationId xmlns:p14="http://schemas.microsoft.com/office/powerpoint/2010/main" val="2401736586"/>
+      </p:ext>
+    </p:extLst>
+  </p:cSld>
+  <p:clrMapOvr>
+    <a:masterClrMapping/>
+  </p:clrMapOvr>
+</p:notes>
+</file>
+
+<file path=ppt/notesSlides/notesSlide3.xml><?xml version="1.0" encoding="utf-8"?>
+<p:notes xmlns:a="http://schemas.openxmlformats.org/drawingml/2006/main" xmlns:r="http://schemas.openxmlformats.org/officeDocument/2006/relationships" xmlns:p="http://schemas.openxmlformats.org/presentationml/2006/main" showMasterSp="0" showMasterPhAnim="0">
+  <p:cSld>
+    <p:spTree>
+      <p:nvGrpSpPr>
+        <p:cNvPr id="1" name="Shape 389"/>
+        <p:cNvGrpSpPr/>
+        <p:nvPr/>
+      </p:nvGrpSpPr>
+      <p:grpSpPr>
+        <a:xfrm>
+          <a:off x="0" y="0"/>
+          <a:ext cx="0" cy="0"/>
+          <a:chOff x="0" y="0"/>
+          <a:chExt cx="0" cy="0"/>
+        </a:xfrm>
+      </p:grpSpPr>
+      <p:sp>
+        <p:nvSpPr>
+          <p:cNvPr id="390" name="Shape 390"/>
+          <p:cNvSpPr txBox="1">
+            <a:spLocks noGrp="1"/>
+          </p:cNvSpPr>
+          <p:nvPr>
+            <p:ph type="body" idx="1"/>
+          </p:nvPr>
+        </p:nvSpPr>
+        <p:spPr>
+          <a:xfrm>
+            <a:off x="685800" y="4343400"/>
+            <a:ext cx="5486400" cy="4114800"/>
+          </a:xfrm>
+          <a:prstGeom prst="rect">
+            <a:avLst/>
+          </a:prstGeom>
+        </p:spPr>
+        <p:txBody>
+          <a:bodyPr lIns="91425" tIns="91425" rIns="91425" bIns="91425" anchor="t" anchorCtr="0">
+            <a:noAutofit/>
+          </a:bodyPr>
+          <a:lstStyle/>
+          <a:p>
+            <a:pPr lvl="0">
+              <a:spcBef>
+                <a:spcPts val="0"/>
+              </a:spcBef>
+              <a:buNone/>
+            </a:pPr>
+            <a:endParaRPr dirty="0"/>
+          </a:p>
+        </p:txBody>
+      </p:sp>
+      <p:sp>
+        <p:nvSpPr>
+          <p:cNvPr id="391" name="Shape 391"/>
+          <p:cNvSpPr>
+            <a:spLocks noGrp="1" noRot="1" noChangeAspect="1"/>
+          </p:cNvSpPr>
+          <p:nvPr>
+            <p:ph type="sldImg" idx="2"/>
+          </p:nvPr>
+        </p:nvSpPr>
+        <p:spPr>
+          <a:xfrm>
+            <a:off x="1143000" y="685800"/>
+            <a:ext cx="4572000" cy="3429000"/>
+          </a:xfrm>
+          <a:custGeom>
+            <a:avLst/>
+            <a:gdLst/>
+            <a:ahLst/>
+            <a:cxnLst/>
+            <a:rect l="0" t="0" r="0" b="0"/>
+            <a:pathLst>
+              <a:path w="120000" h="120000" extrusionOk="0">
+                <a:moveTo>
+                  <a:pt x="0" y="0"/>
+                </a:moveTo>
+                <a:lnTo>
+                  <a:pt x="120000" y="0"/>
+                </a:lnTo>
+                <a:lnTo>
+                  <a:pt x="120000" y="120000"/>
+                </a:lnTo>
+                <a:lnTo>
+                  <a:pt x="0" y="120000"/>
+                </a:lnTo>
+                <a:close/>
+              </a:path>
+            </a:pathLst>
+          </a:custGeom>
+        </p:spPr>
+      </p:sp>
+    </p:spTree>
+    <p:extLst>
+      <p:ext uri="{BB962C8B-B14F-4D97-AF65-F5344CB8AC3E}">
+        <p14:creationId xmlns:p14="http://schemas.microsoft.com/office/powerpoint/2010/main" val="2233848137"/>
       </p:ext>
     </p:extLst>
   </p:cSld>
@@ -10318,10 +10425,434 @@
           </a:p>
         </p:txBody>
       </p:sp>
+      <p:pic>
+        <p:nvPicPr>
+          <p:cNvPr id="2" name="Picture 1">
+            <a:extLst>
+              <a:ext uri="{FF2B5EF4-FFF2-40B4-BE49-F238E27FC236}">
+                <a16:creationId xmlns:a16="http://schemas.microsoft.com/office/drawing/2014/main" id="{91B830B8-08E2-40CE-B486-C3DD8D177886}"/>
+              </a:ext>
+            </a:extLst>
+          </p:cNvPr>
+          <p:cNvPicPr>
+            <a:picLocks noChangeAspect="1"/>
+          </p:cNvPicPr>
+          <p:nvPr/>
+        </p:nvPicPr>
+        <p:blipFill>
+          <a:blip r:embed="rId4"/>
+          <a:stretch>
+            <a:fillRect/>
+          </a:stretch>
+        </p:blipFill>
+        <p:spPr>
+          <a:xfrm>
+            <a:off x="3647635" y="1735780"/>
+            <a:ext cx="5039165" cy="3062463"/>
+          </a:xfrm>
+          <a:prstGeom prst="rect">
+            <a:avLst/>
+          </a:prstGeom>
+        </p:spPr>
+      </p:pic>
+      <p:sp>
+        <p:nvSpPr>
+          <p:cNvPr id="3" name="TextBox 2">
+            <a:extLst>
+              <a:ext uri="{FF2B5EF4-FFF2-40B4-BE49-F238E27FC236}">
+                <a16:creationId xmlns:a16="http://schemas.microsoft.com/office/drawing/2014/main" id="{7F5BEEBE-3874-4AAC-B567-31FC6FC3C122}"/>
+              </a:ext>
+            </a:extLst>
+          </p:cNvPr>
+          <p:cNvSpPr txBox="1"/>
+          <p:nvPr/>
+        </p:nvSpPr>
+        <p:spPr>
+          <a:xfrm flipH="1">
+            <a:off x="74707" y="6203443"/>
+            <a:ext cx="9192549" cy="738664"/>
+          </a:xfrm>
+          <a:prstGeom prst="rect">
+            <a:avLst/>
+          </a:prstGeom>
+          <a:noFill/>
+        </p:spPr>
+        <p:txBody>
+          <a:bodyPr wrap="square" rtlCol="0">
+            <a:spAutoFit/>
+          </a:bodyPr>
+          <a:lstStyle/>
+          <a:p>
+            <a:r>
+              <a:rPr lang="es-VE" b="1" dirty="0">
+                <a:latin typeface="Raleway" panose="020B0604020202020204" charset="0"/>
+              </a:rPr>
+              <a:t>Fuente de la Imagen: </a:t>
+            </a:r>
+          </a:p>
+          <a:p>
+            <a:r>
+              <a:rPr lang="es-VE" dirty="0">
+                <a:latin typeface="Raleway" panose="020B0604020202020204" charset="0"/>
+                <a:hlinkClick r:id="rId5"/>
+              </a:rPr>
+              <a:t>https://blog.es.logicalis.com/analytics/tableros-de-control-indicadores-y-buenas-practicas</a:t>
+            </a:r>
+            <a:endParaRPr lang="es-VE" dirty="0">
+              <a:latin typeface="Raleway" panose="020B0604020202020204" charset="0"/>
+            </a:endParaRPr>
+          </a:p>
+          <a:p>
+            <a:endParaRPr lang="en-US" dirty="0">
+              <a:latin typeface="Raleway" panose="020B0604020202020204" charset="0"/>
+            </a:endParaRPr>
+          </a:p>
+        </p:txBody>
+      </p:sp>
     </p:spTree>
     <p:extLst>
       <p:ext uri="{BB962C8B-B14F-4D97-AF65-F5344CB8AC3E}">
         <p14:creationId xmlns:p14="http://schemas.microsoft.com/office/powerpoint/2010/main" val="1269151904"/>
+      </p:ext>
+    </p:extLst>
+  </p:cSld>
+  <p:clrMapOvr>
+    <a:masterClrMapping/>
+  </p:clrMapOvr>
+</p:sld>
+</file>
+
+<file path=ppt/slides/slide3.xml><?xml version="1.0" encoding="utf-8"?>
+<p:sld xmlns:a="http://schemas.openxmlformats.org/drawingml/2006/main" xmlns:r="http://schemas.openxmlformats.org/officeDocument/2006/relationships" xmlns:p="http://schemas.openxmlformats.org/presentationml/2006/main">
+  <p:cSld>
+    <p:spTree>
+      <p:nvGrpSpPr>
+        <p:cNvPr id="1" name="Shape 392"/>
+        <p:cNvGrpSpPr/>
+        <p:nvPr/>
+      </p:nvGrpSpPr>
+      <p:grpSpPr>
+        <a:xfrm>
+          <a:off x="0" y="0"/>
+          <a:ext cx="0" cy="0"/>
+          <a:chOff x="0" y="0"/>
+          <a:chExt cx="0" cy="0"/>
+        </a:xfrm>
+      </p:grpSpPr>
+      <p:sp>
+        <p:nvSpPr>
+          <p:cNvPr id="393" name="Shape 393"/>
+          <p:cNvSpPr txBox="1">
+            <a:spLocks noGrp="1"/>
+          </p:cNvSpPr>
+          <p:nvPr>
+            <p:ph type="body" idx="1"/>
+          </p:nvPr>
+        </p:nvSpPr>
+        <p:spPr>
+          <a:xfrm>
+            <a:off x="457200" y="1628481"/>
+            <a:ext cx="8229600" cy="4526100"/>
+          </a:xfrm>
+          <a:prstGeom prst="rect">
+            <a:avLst/>
+          </a:prstGeom>
+          <a:noFill/>
+          <a:ln>
+            <a:noFill/>
+          </a:ln>
+        </p:spPr>
+        <p:txBody>
+          <a:bodyPr lIns="91425" tIns="45700" rIns="91425" bIns="45700" anchor="t" anchorCtr="0">
+            <a:noAutofit/>
+          </a:bodyPr>
+          <a:lstStyle/>
+          <a:p>
+            <a:pPr marL="0" marR="0" lvl="0" indent="0" algn="l" rtl="0">
+              <a:lnSpc>
+                <a:spcPct val="90000"/>
+              </a:lnSpc>
+              <a:spcBef>
+                <a:spcPts val="0"/>
+              </a:spcBef>
+              <a:buClr>
+                <a:schemeClr val="dk1"/>
+              </a:buClr>
+              <a:buSzPct val="25000"/>
+              <a:buFont typeface="Arial"/>
+              <a:buNone/>
+            </a:pPr>
+            <a:r>
+              <a:rPr lang="es-VE" sz="1850" b="0" i="0" u="none" strike="noStrike" cap="none" dirty="0">
+                <a:solidFill>
+                  <a:schemeClr val="dk1"/>
+                </a:solidFill>
+              </a:rPr>
+              <a:t>Texto</a:t>
+            </a:r>
+            <a:endParaRPr lang="es-VE" sz="1850" dirty="0"/>
+          </a:p>
+        </p:txBody>
+      </p:sp>
+      <p:sp>
+        <p:nvSpPr>
+          <p:cNvPr id="394" name="Shape 394"/>
+          <p:cNvSpPr txBox="1">
+            <a:spLocks noGrp="1"/>
+          </p:cNvSpPr>
+          <p:nvPr>
+            <p:ph type="title"/>
+          </p:nvPr>
+        </p:nvSpPr>
+        <p:spPr>
+          <a:xfrm>
+            <a:off x="666539" y="209956"/>
+            <a:ext cx="5192220" cy="428400"/>
+          </a:xfrm>
+          <a:prstGeom prst="rect">
+            <a:avLst/>
+          </a:prstGeom>
+          <a:noFill/>
+          <a:ln>
+            <a:noFill/>
+          </a:ln>
+        </p:spPr>
+        <p:txBody>
+          <a:bodyPr lIns="91425" tIns="45700" rIns="91425" bIns="45700" anchor="ctr" anchorCtr="0">
+            <a:noAutofit/>
+          </a:bodyPr>
+          <a:lstStyle/>
+          <a:p>
+            <a:pPr marL="0" marR="0" lvl="0" indent="0" algn="l" rtl="0">
+              <a:spcBef>
+                <a:spcPts val="0"/>
+              </a:spcBef>
+              <a:buClr>
+                <a:srgbClr val="F7B600"/>
+              </a:buClr>
+              <a:buSzPct val="25000"/>
+              <a:buFont typeface="Arial"/>
+              <a:buNone/>
+            </a:pPr>
+            <a:r>
+              <a:rPr lang="es-VE" sz="1200" dirty="0">
+                <a:solidFill>
+                  <a:srgbClr val="F7B600"/>
+                </a:solidFill>
+                <a:latin typeface="Montserrat"/>
+                <a:ea typeface="Montserrat"/>
+                <a:cs typeface="Montserrat"/>
+                <a:sym typeface="Montserrat"/>
+              </a:rPr>
+              <a:t>7</a:t>
+            </a:r>
+            <a:r>
+              <a:rPr lang="es-VE" sz="1200" i="0" u="none" strike="noStrike" cap="none" dirty="0">
+                <a:solidFill>
+                  <a:srgbClr val="F7B600"/>
+                </a:solidFill>
+                <a:latin typeface="Montserrat"/>
+                <a:ea typeface="Montserrat"/>
+                <a:cs typeface="Montserrat"/>
+                <a:sym typeface="Montserrat"/>
+              </a:rPr>
+              <a:t>.1 Introducción a un Tablero </a:t>
+            </a:r>
+            <a:r>
+              <a:rPr lang="es-VE" sz="1200" i="0" u="none" strike="noStrike" cap="none">
+                <a:solidFill>
+                  <a:srgbClr val="F7B600"/>
+                </a:solidFill>
+                <a:latin typeface="Montserrat"/>
+                <a:ea typeface="Montserrat"/>
+                <a:cs typeface="Montserrat"/>
+                <a:sym typeface="Montserrat"/>
+              </a:rPr>
+              <a:t>de Información</a:t>
+            </a:r>
+            <a:endParaRPr lang="es-VE" sz="1200" i="0" u="none" strike="noStrike" cap="none" dirty="0">
+              <a:solidFill>
+                <a:srgbClr val="F7B600"/>
+              </a:solidFill>
+              <a:latin typeface="Montserrat"/>
+              <a:ea typeface="Montserrat"/>
+              <a:cs typeface="Montserrat"/>
+              <a:sym typeface="Montserrat"/>
+            </a:endParaRPr>
+          </a:p>
+        </p:txBody>
+      </p:sp>
+      <p:pic>
+        <p:nvPicPr>
+          <p:cNvPr id="395" name="Shape 395" descr="isotipo codeacademy.png"/>
+          <p:cNvPicPr preferRelativeResize="0"/>
+          <p:nvPr/>
+        </p:nvPicPr>
+        <p:blipFill rotWithShape="1">
+          <a:blip r:embed="rId3">
+            <a:alphaModFix/>
+          </a:blip>
+          <a:srcRect/>
+          <a:stretch/>
+        </p:blipFill>
+        <p:spPr>
+          <a:xfrm>
+            <a:off x="131781" y="126082"/>
+            <a:ext cx="548100" cy="548100"/>
+          </a:xfrm>
+          <a:prstGeom prst="rect">
+            <a:avLst/>
+          </a:prstGeom>
+          <a:noFill/>
+          <a:ln>
+            <a:noFill/>
+          </a:ln>
+        </p:spPr>
+      </p:pic>
+      <p:sp>
+        <p:nvSpPr>
+          <p:cNvPr id="396" name="Shape 396"/>
+          <p:cNvSpPr txBox="1"/>
+          <p:nvPr/>
+        </p:nvSpPr>
+        <p:spPr>
+          <a:xfrm>
+            <a:off x="1117077" y="674182"/>
+            <a:ext cx="7107810" cy="646200"/>
+          </a:xfrm>
+          <a:prstGeom prst="rect">
+            <a:avLst/>
+          </a:prstGeom>
+          <a:noFill/>
+          <a:ln>
+            <a:noFill/>
+          </a:ln>
+        </p:spPr>
+        <p:txBody>
+          <a:bodyPr lIns="91425" tIns="45700" rIns="91425" bIns="45700" anchor="t" anchorCtr="0">
+            <a:noAutofit/>
+          </a:bodyPr>
+          <a:lstStyle/>
+          <a:p>
+            <a:pPr marL="0" marR="0" lvl="0" indent="0" algn="l" rtl="0">
+              <a:spcBef>
+                <a:spcPts val="0"/>
+              </a:spcBef>
+              <a:buSzPct val="25000"/>
+              <a:buNone/>
+            </a:pPr>
+            <a:r>
+              <a:rPr lang="es-GT" sz="3600" dirty="0">
+                <a:solidFill>
+                  <a:srgbClr val="F7B600"/>
+                </a:solidFill>
+                <a:latin typeface="Raleway"/>
+                <a:ea typeface="Raleway"/>
+                <a:cs typeface="Raleway"/>
+                <a:sym typeface="Raleway"/>
+              </a:rPr>
+              <a:t>Título</a:t>
+            </a:r>
+            <a:endParaRPr lang="es-GT" sz="3600" b="0" i="0" u="none" strike="noStrike" cap="none" dirty="0">
+              <a:solidFill>
+                <a:srgbClr val="F7B600"/>
+              </a:solidFill>
+              <a:latin typeface="Raleway"/>
+              <a:ea typeface="Raleway"/>
+              <a:cs typeface="Raleway"/>
+              <a:sym typeface="Raleway"/>
+            </a:endParaRPr>
+          </a:p>
+        </p:txBody>
+      </p:sp>
+      <p:pic>
+        <p:nvPicPr>
+          <p:cNvPr id="2" name="Picture 1">
+            <a:extLst>
+              <a:ext uri="{FF2B5EF4-FFF2-40B4-BE49-F238E27FC236}">
+                <a16:creationId xmlns:a16="http://schemas.microsoft.com/office/drawing/2014/main" id="{91B830B8-08E2-40CE-B486-C3DD8D177886}"/>
+              </a:ext>
+            </a:extLst>
+          </p:cNvPr>
+          <p:cNvPicPr>
+            <a:picLocks noChangeAspect="1"/>
+          </p:cNvPicPr>
+          <p:nvPr/>
+        </p:nvPicPr>
+        <p:blipFill>
+          <a:blip r:embed="rId4"/>
+          <a:stretch>
+            <a:fillRect/>
+          </a:stretch>
+        </p:blipFill>
+        <p:spPr>
+          <a:xfrm>
+            <a:off x="3647635" y="1735780"/>
+            <a:ext cx="5039165" cy="3062463"/>
+          </a:xfrm>
+          <a:prstGeom prst="rect">
+            <a:avLst/>
+          </a:prstGeom>
+        </p:spPr>
+      </p:pic>
+      <p:sp>
+        <p:nvSpPr>
+          <p:cNvPr id="3" name="TextBox 2">
+            <a:extLst>
+              <a:ext uri="{FF2B5EF4-FFF2-40B4-BE49-F238E27FC236}">
+                <a16:creationId xmlns:a16="http://schemas.microsoft.com/office/drawing/2014/main" id="{7F5BEEBE-3874-4AAC-B567-31FC6FC3C122}"/>
+              </a:ext>
+            </a:extLst>
+          </p:cNvPr>
+          <p:cNvSpPr txBox="1"/>
+          <p:nvPr/>
+        </p:nvSpPr>
+        <p:spPr>
+          <a:xfrm flipH="1">
+            <a:off x="74707" y="6203443"/>
+            <a:ext cx="9192549" cy="738664"/>
+          </a:xfrm>
+          <a:prstGeom prst="rect">
+            <a:avLst/>
+          </a:prstGeom>
+          <a:noFill/>
+        </p:spPr>
+        <p:txBody>
+          <a:bodyPr wrap="square" rtlCol="0">
+            <a:spAutoFit/>
+          </a:bodyPr>
+          <a:lstStyle/>
+          <a:p>
+            <a:r>
+              <a:rPr lang="es-VE" b="1" dirty="0">
+                <a:latin typeface="Raleway" panose="020B0604020202020204" charset="0"/>
+              </a:rPr>
+              <a:t>Fuente de la Imagen: </a:t>
+            </a:r>
+          </a:p>
+          <a:p>
+            <a:r>
+              <a:rPr lang="es-VE" dirty="0">
+                <a:latin typeface="Raleway" panose="020B0604020202020204" charset="0"/>
+                <a:hlinkClick r:id="rId5"/>
+              </a:rPr>
+              <a:t>https://blog.es.logicalis.com/analytics/tableros-de-control-indicadores-y-buenas-practicas</a:t>
+            </a:r>
+            <a:endParaRPr lang="es-VE" dirty="0">
+              <a:latin typeface="Raleway" panose="020B0604020202020204" charset="0"/>
+            </a:endParaRPr>
+          </a:p>
+          <a:p>
+            <a:endParaRPr lang="en-US" dirty="0">
+              <a:latin typeface="Raleway" panose="020B0604020202020204" charset="0"/>
+            </a:endParaRPr>
+          </a:p>
+        </p:txBody>
+      </p:sp>
+    </p:spTree>
+    <p:extLst>
+      <p:ext uri="{BB962C8B-B14F-4D97-AF65-F5344CB8AC3E}">
+        <p14:creationId xmlns:p14="http://schemas.microsoft.com/office/powerpoint/2010/main" val="1885147317"/>
       </p:ext>
     </p:extLst>
   </p:cSld>

--- a/18-data-visualization/Contenido Semana 3/7.1. Presentación - Introducción a un Tablero de Información.pptx
+++ b/18-data-visualization/Contenido Semana 3/7.1. Presentación - Introducción a un Tablero de Información.pptx
@@ -5,36 +5,38 @@
     <p:sldMasterId id="2147483670" r:id="rId1"/>
   </p:sldMasterIdLst>
   <p:notesMasterIdLst>
-    <p:notesMasterId r:id="rId5"/>
+    <p:notesMasterId r:id="rId7"/>
   </p:notesMasterIdLst>
   <p:sldIdLst>
     <p:sldId id="282" r:id="rId2"/>
     <p:sldId id="283" r:id="rId3"/>
     <p:sldId id="284" r:id="rId4"/>
+    <p:sldId id="285" r:id="rId5"/>
+    <p:sldId id="286" r:id="rId6"/>
   </p:sldIdLst>
   <p:sldSz cx="9144000" cy="6858000" type="screen4x3"/>
   <p:notesSz cx="6858000" cy="9144000"/>
   <p:embeddedFontLst>
     <p:embeddedFont>
-      <p:font typeface="Calibri" panose="020F0502020204030204" pitchFamily="34" charset="0"/>
-      <p:regular r:id="rId6"/>
-      <p:bold r:id="rId7"/>
-      <p:italic r:id="rId8"/>
-      <p:boldItalic r:id="rId9"/>
+      <p:font typeface="Montserrat" panose="020B0604020202020204" charset="0"/>
+      <p:regular r:id="rId8"/>
+      <p:bold r:id="rId9"/>
+      <p:italic r:id="rId10"/>
+      <p:boldItalic r:id="rId11"/>
     </p:embeddedFont>
     <p:embeddedFont>
       <p:font typeface="Raleway" panose="020B0604020202020204" charset="0"/>
-      <p:regular r:id="rId10"/>
-      <p:bold r:id="rId11"/>
-      <p:italic r:id="rId12"/>
-      <p:boldItalic r:id="rId13"/>
+      <p:regular r:id="rId12"/>
+      <p:bold r:id="rId13"/>
+      <p:italic r:id="rId14"/>
+      <p:boldItalic r:id="rId15"/>
     </p:embeddedFont>
     <p:embeddedFont>
-      <p:font typeface="Montserrat" panose="020B0604020202020204" charset="0"/>
-      <p:regular r:id="rId14"/>
-      <p:bold r:id="rId15"/>
-      <p:italic r:id="rId16"/>
-      <p:boldItalic r:id="rId17"/>
+      <p:font typeface="Calibri" panose="020F0502020204030204" pitchFamily="34" charset="0"/>
+      <p:regular r:id="rId16"/>
+      <p:bold r:id="rId17"/>
+      <p:italic r:id="rId18"/>
+      <p:boldItalic r:id="rId19"/>
     </p:embeddedFont>
   </p:embeddedFontLst>
   <p:defaultTextStyle>
@@ -1426,6 +1428,218 @@
     <p:extLst>
       <p:ext uri="{BB962C8B-B14F-4D97-AF65-F5344CB8AC3E}">
         <p14:creationId xmlns:p14="http://schemas.microsoft.com/office/powerpoint/2010/main" val="2233848137"/>
+      </p:ext>
+    </p:extLst>
+  </p:cSld>
+  <p:clrMapOvr>
+    <a:masterClrMapping/>
+  </p:clrMapOvr>
+</p:notes>
+</file>
+
+<file path=ppt/notesSlides/notesSlide4.xml><?xml version="1.0" encoding="utf-8"?>
+<p:notes xmlns:a="http://schemas.openxmlformats.org/drawingml/2006/main" xmlns:r="http://schemas.openxmlformats.org/officeDocument/2006/relationships" xmlns:p="http://schemas.openxmlformats.org/presentationml/2006/main" showMasterSp="0" showMasterPhAnim="0">
+  <p:cSld>
+    <p:spTree>
+      <p:nvGrpSpPr>
+        <p:cNvPr id="1" name="Shape 389"/>
+        <p:cNvGrpSpPr/>
+        <p:nvPr/>
+      </p:nvGrpSpPr>
+      <p:grpSpPr>
+        <a:xfrm>
+          <a:off x="0" y="0"/>
+          <a:ext cx="0" cy="0"/>
+          <a:chOff x="0" y="0"/>
+          <a:chExt cx="0" cy="0"/>
+        </a:xfrm>
+      </p:grpSpPr>
+      <p:sp>
+        <p:nvSpPr>
+          <p:cNvPr id="390" name="Shape 390"/>
+          <p:cNvSpPr txBox="1">
+            <a:spLocks noGrp="1"/>
+          </p:cNvSpPr>
+          <p:nvPr>
+            <p:ph type="body" idx="1"/>
+          </p:nvPr>
+        </p:nvSpPr>
+        <p:spPr>
+          <a:xfrm>
+            <a:off x="685800" y="4343400"/>
+            <a:ext cx="5486400" cy="4114800"/>
+          </a:xfrm>
+          <a:prstGeom prst="rect">
+            <a:avLst/>
+          </a:prstGeom>
+        </p:spPr>
+        <p:txBody>
+          <a:bodyPr lIns="91425" tIns="91425" rIns="91425" bIns="91425" anchor="t" anchorCtr="0">
+            <a:noAutofit/>
+          </a:bodyPr>
+          <a:lstStyle/>
+          <a:p>
+            <a:pPr lvl="0">
+              <a:spcBef>
+                <a:spcPts val="0"/>
+              </a:spcBef>
+              <a:buNone/>
+            </a:pPr>
+            <a:endParaRPr dirty="0"/>
+          </a:p>
+        </p:txBody>
+      </p:sp>
+      <p:sp>
+        <p:nvSpPr>
+          <p:cNvPr id="391" name="Shape 391"/>
+          <p:cNvSpPr>
+            <a:spLocks noGrp="1" noRot="1" noChangeAspect="1"/>
+          </p:cNvSpPr>
+          <p:nvPr>
+            <p:ph type="sldImg" idx="2"/>
+          </p:nvPr>
+        </p:nvSpPr>
+        <p:spPr>
+          <a:xfrm>
+            <a:off x="1143000" y="685800"/>
+            <a:ext cx="4572000" cy="3429000"/>
+          </a:xfrm>
+          <a:custGeom>
+            <a:avLst/>
+            <a:gdLst/>
+            <a:ahLst/>
+            <a:cxnLst/>
+            <a:rect l="0" t="0" r="0" b="0"/>
+            <a:pathLst>
+              <a:path w="120000" h="120000" extrusionOk="0">
+                <a:moveTo>
+                  <a:pt x="0" y="0"/>
+                </a:moveTo>
+                <a:lnTo>
+                  <a:pt x="120000" y="0"/>
+                </a:lnTo>
+                <a:lnTo>
+                  <a:pt x="120000" y="120000"/>
+                </a:lnTo>
+                <a:lnTo>
+                  <a:pt x="0" y="120000"/>
+                </a:lnTo>
+                <a:close/>
+              </a:path>
+            </a:pathLst>
+          </a:custGeom>
+        </p:spPr>
+      </p:sp>
+    </p:spTree>
+    <p:extLst>
+      <p:ext uri="{BB962C8B-B14F-4D97-AF65-F5344CB8AC3E}">
+        <p14:creationId xmlns:p14="http://schemas.microsoft.com/office/powerpoint/2010/main" val="3783556195"/>
+      </p:ext>
+    </p:extLst>
+  </p:cSld>
+  <p:clrMapOvr>
+    <a:masterClrMapping/>
+  </p:clrMapOvr>
+</p:notes>
+</file>
+
+<file path=ppt/notesSlides/notesSlide5.xml><?xml version="1.0" encoding="utf-8"?>
+<p:notes xmlns:a="http://schemas.openxmlformats.org/drawingml/2006/main" xmlns:r="http://schemas.openxmlformats.org/officeDocument/2006/relationships" xmlns:p="http://schemas.openxmlformats.org/presentationml/2006/main" showMasterSp="0" showMasterPhAnim="0">
+  <p:cSld>
+    <p:spTree>
+      <p:nvGrpSpPr>
+        <p:cNvPr id="1" name="Shape 389"/>
+        <p:cNvGrpSpPr/>
+        <p:nvPr/>
+      </p:nvGrpSpPr>
+      <p:grpSpPr>
+        <a:xfrm>
+          <a:off x="0" y="0"/>
+          <a:ext cx="0" cy="0"/>
+          <a:chOff x="0" y="0"/>
+          <a:chExt cx="0" cy="0"/>
+        </a:xfrm>
+      </p:grpSpPr>
+      <p:sp>
+        <p:nvSpPr>
+          <p:cNvPr id="390" name="Shape 390"/>
+          <p:cNvSpPr txBox="1">
+            <a:spLocks noGrp="1"/>
+          </p:cNvSpPr>
+          <p:nvPr>
+            <p:ph type="body" idx="1"/>
+          </p:nvPr>
+        </p:nvSpPr>
+        <p:spPr>
+          <a:xfrm>
+            <a:off x="685800" y="4343400"/>
+            <a:ext cx="5486400" cy="4114800"/>
+          </a:xfrm>
+          <a:prstGeom prst="rect">
+            <a:avLst/>
+          </a:prstGeom>
+        </p:spPr>
+        <p:txBody>
+          <a:bodyPr lIns="91425" tIns="91425" rIns="91425" bIns="91425" anchor="t" anchorCtr="0">
+            <a:noAutofit/>
+          </a:bodyPr>
+          <a:lstStyle/>
+          <a:p>
+            <a:pPr lvl="0">
+              <a:spcBef>
+                <a:spcPts val="0"/>
+              </a:spcBef>
+              <a:buNone/>
+            </a:pPr>
+            <a:endParaRPr dirty="0"/>
+          </a:p>
+        </p:txBody>
+      </p:sp>
+      <p:sp>
+        <p:nvSpPr>
+          <p:cNvPr id="391" name="Shape 391"/>
+          <p:cNvSpPr>
+            <a:spLocks noGrp="1" noRot="1" noChangeAspect="1"/>
+          </p:cNvSpPr>
+          <p:nvPr>
+            <p:ph type="sldImg" idx="2"/>
+          </p:nvPr>
+        </p:nvSpPr>
+        <p:spPr>
+          <a:xfrm>
+            <a:off x="1143000" y="685800"/>
+            <a:ext cx="4572000" cy="3429000"/>
+          </a:xfrm>
+          <a:custGeom>
+            <a:avLst/>
+            <a:gdLst/>
+            <a:ahLst/>
+            <a:cxnLst/>
+            <a:rect l="0" t="0" r="0" b="0"/>
+            <a:pathLst>
+              <a:path w="120000" h="120000" extrusionOk="0">
+                <a:moveTo>
+                  <a:pt x="0" y="0"/>
+                </a:moveTo>
+                <a:lnTo>
+                  <a:pt x="120000" y="0"/>
+                </a:lnTo>
+                <a:lnTo>
+                  <a:pt x="120000" y="120000"/>
+                </a:lnTo>
+                <a:lnTo>
+                  <a:pt x="0" y="120000"/>
+                </a:lnTo>
+                <a:close/>
+              </a:path>
+            </a:pathLst>
+          </a:custGeom>
+        </p:spPr>
+      </p:sp>
+    </p:spTree>
+    <p:extLst>
+      <p:ext uri="{BB962C8B-B14F-4D97-AF65-F5344CB8AC3E}">
+        <p14:creationId xmlns:p14="http://schemas.microsoft.com/office/powerpoint/2010/main" val="1375431641"/>
       </p:ext>
     </p:extLst>
   </p:cSld>
@@ -10211,8 +10425,8 @@
         </p:nvSpPr>
         <p:spPr>
           <a:xfrm>
-            <a:off x="457200" y="1628481"/>
-            <a:ext cx="8229600" cy="4526100"/>
+            <a:off x="122553" y="2381040"/>
+            <a:ext cx="3510946" cy="2302496"/>
           </a:xfrm>
           <a:prstGeom prst="rect">
             <a:avLst/>
@@ -10228,29 +10442,43 @@
           </a:bodyPr>
           <a:lstStyle/>
           <a:p>
-            <a:pPr marL="0" marR="0" lvl="0" indent="0" algn="l" rtl="0">
+            <a:pPr marL="0" lvl="0" indent="0" algn="just">
               <a:lnSpc>
                 <a:spcPct val="90000"/>
               </a:lnSpc>
               <a:spcBef>
                 <a:spcPts val="0"/>
               </a:spcBef>
-              <a:buClr>
-                <a:schemeClr val="dk1"/>
-              </a:buClr>
               <a:buSzPct val="25000"/>
-              <a:buFont typeface="Arial"/>
               <a:buNone/>
             </a:pPr>
             <a:r>
-              <a:rPr lang="es-VE" sz="1850" b="0" i="0" u="none" strike="noStrike" cap="none" dirty="0">
-                <a:solidFill>
-                  <a:schemeClr val="dk1"/>
-                </a:solidFill>
+              <a:rPr lang="es-ES" sz="1850" dirty="0">
+                <a:latin typeface="Raleway" panose="020B0604020202020204" charset="0"/>
               </a:rPr>
-              <a:t>Texto</a:t>
+              <a:t>Un tablero de información es el conjunto de gráficos e informaciones interactivas que le permiten a una persona entender de manera dinámica la realidad que un conjunto </a:t>
             </a:r>
-            <a:endParaRPr lang="es-VE" sz="1850" dirty="0"/>
+          </a:p>
+          <a:p>
+            <a:pPr marL="0" lvl="0" indent="0" algn="just">
+              <a:lnSpc>
+                <a:spcPct val="90000"/>
+              </a:lnSpc>
+              <a:spcBef>
+                <a:spcPts val="0"/>
+              </a:spcBef>
+              <a:buSzPct val="25000"/>
+              <a:buNone/>
+            </a:pPr>
+            <a:r>
+              <a:rPr lang="es-ES" sz="1850" dirty="0">
+                <a:latin typeface="Raleway" panose="020B0604020202020204" charset="0"/>
+              </a:rPr>
+              <a:t>de datos presenta. </a:t>
+            </a:r>
+            <a:endParaRPr lang="es-VE" sz="1850" dirty="0">
+              <a:latin typeface="Raleway" panose="020B0604020202020204" charset="0"/>
+            </a:endParaRPr>
           </a:p>
         </p:txBody>
       </p:sp>
@@ -10411,7 +10639,7 @@
                 <a:cs typeface="Raleway"/>
                 <a:sym typeface="Raleway"/>
               </a:rPr>
-              <a:t>Título</a:t>
+              <a:t>Tablero de Información </a:t>
             </a:r>
             <a:endParaRPr lang="es-GT" sz="3600" b="0" i="0" u="none" strike="noStrike" cap="none" dirty="0">
               <a:solidFill>
@@ -10447,7 +10675,7 @@
         </p:blipFill>
         <p:spPr>
           <a:xfrm>
-            <a:off x="3647635" y="1735780"/>
+            <a:off x="3760756" y="1699398"/>
             <a:ext cx="5039165" cy="3062463"/>
           </a:xfrm>
           <a:prstGeom prst="rect">
@@ -10539,6 +10767,36 @@
           <a:chExt cx="0" cy="0"/>
         </a:xfrm>
       </p:grpSpPr>
+      <p:pic>
+        <p:nvPicPr>
+          <p:cNvPr id="6" name="Picture 5">
+            <a:extLst>
+              <a:ext uri="{FF2B5EF4-FFF2-40B4-BE49-F238E27FC236}">
+                <a16:creationId xmlns:a16="http://schemas.microsoft.com/office/drawing/2014/main" id="{DF97E413-1B15-4149-B7DB-1A6E2F9E1043}"/>
+              </a:ext>
+            </a:extLst>
+          </p:cNvPr>
+          <p:cNvPicPr>
+            <a:picLocks noChangeAspect="1"/>
+          </p:cNvPicPr>
+          <p:nvPr/>
+        </p:nvPicPr>
+        <p:blipFill>
+          <a:blip r:embed="rId3"/>
+          <a:stretch>
+            <a:fillRect/>
+          </a:stretch>
+        </p:blipFill>
+        <p:spPr>
+          <a:xfrm>
+            <a:off x="0" y="1329686"/>
+            <a:ext cx="9144000" cy="4198627"/>
+          </a:xfrm>
+          <a:prstGeom prst="rect">
+            <a:avLst/>
+          </a:prstGeom>
+        </p:spPr>
+      </p:pic>
       <p:sp>
         <p:nvSpPr>
           <p:cNvPr id="393" name="Shape 393"/>
@@ -10551,8 +10809,170 @@
         </p:nvSpPr>
         <p:spPr>
           <a:xfrm>
-            <a:off x="457200" y="1628481"/>
-            <a:ext cx="8229600" cy="4526100"/>
+            <a:off x="207390" y="6206968"/>
+            <a:ext cx="8936610" cy="1392779"/>
+          </a:xfrm>
+          <a:prstGeom prst="rect">
+            <a:avLst/>
+          </a:prstGeom>
+          <a:noFill/>
+          <a:ln>
+            <a:noFill/>
+          </a:ln>
+        </p:spPr>
+        <p:txBody>
+          <a:bodyPr lIns="91425" tIns="45700" rIns="91425" bIns="45700" anchor="t" anchorCtr="0">
+            <a:noAutofit/>
+          </a:bodyPr>
+          <a:lstStyle/>
+          <a:p>
+            <a:pPr marL="0" indent="0">
+              <a:lnSpc>
+                <a:spcPct val="90000"/>
+              </a:lnSpc>
+              <a:spcBef>
+                <a:spcPts val="0"/>
+              </a:spcBef>
+              <a:buSzPct val="25000"/>
+              <a:buNone/>
+            </a:pPr>
+            <a:r>
+              <a:rPr lang="es-ES" sz="1400" dirty="0">
+                <a:latin typeface="Raleway" panose="020B0604020202020204" charset="0"/>
+              </a:rPr>
+              <a:t>        Parámetros               Filtros                Leyendas              Elementos de Información              Interactividad</a:t>
+            </a:r>
+            <a:endParaRPr lang="es-VE" sz="1400" dirty="0">
+              <a:latin typeface="Raleway" panose="020B0604020202020204" charset="0"/>
+            </a:endParaRPr>
+          </a:p>
+        </p:txBody>
+      </p:sp>
+      <p:sp>
+        <p:nvSpPr>
+          <p:cNvPr id="394" name="Shape 394"/>
+          <p:cNvSpPr txBox="1">
+            <a:spLocks noGrp="1"/>
+          </p:cNvSpPr>
+          <p:nvPr>
+            <p:ph type="title"/>
+          </p:nvPr>
+        </p:nvSpPr>
+        <p:spPr>
+          <a:xfrm>
+            <a:off x="666539" y="209956"/>
+            <a:ext cx="5192220" cy="428400"/>
+          </a:xfrm>
+          <a:prstGeom prst="rect">
+            <a:avLst/>
+          </a:prstGeom>
+          <a:noFill/>
+          <a:ln>
+            <a:noFill/>
+          </a:ln>
+        </p:spPr>
+        <p:txBody>
+          <a:bodyPr lIns="91425" tIns="45700" rIns="91425" bIns="45700" anchor="ctr" anchorCtr="0">
+            <a:noAutofit/>
+          </a:bodyPr>
+          <a:lstStyle/>
+          <a:p>
+            <a:pPr marL="0" marR="0" lvl="0" indent="0" algn="l" rtl="0">
+              <a:spcBef>
+                <a:spcPts val="0"/>
+              </a:spcBef>
+              <a:buClr>
+                <a:srgbClr val="F7B600"/>
+              </a:buClr>
+              <a:buSzPct val="25000"/>
+              <a:buFont typeface="Arial"/>
+              <a:buNone/>
+            </a:pPr>
+            <a:r>
+              <a:rPr lang="es-VE" sz="1200" dirty="0">
+                <a:solidFill>
+                  <a:srgbClr val="F7B600"/>
+                </a:solidFill>
+                <a:latin typeface="Montserrat"/>
+                <a:ea typeface="Montserrat"/>
+                <a:cs typeface="Montserrat"/>
+                <a:sym typeface="Montserrat"/>
+              </a:rPr>
+              <a:t>7</a:t>
+            </a:r>
+            <a:r>
+              <a:rPr lang="es-VE" sz="1200" i="0" u="none" strike="noStrike" cap="none" dirty="0">
+                <a:solidFill>
+                  <a:srgbClr val="F7B600"/>
+                </a:solidFill>
+                <a:latin typeface="Montserrat"/>
+                <a:ea typeface="Montserrat"/>
+                <a:cs typeface="Montserrat"/>
+                <a:sym typeface="Montserrat"/>
+              </a:rPr>
+              <a:t>.1 Introducción a un Tablero </a:t>
+            </a:r>
+            <a:r>
+              <a:rPr lang="es-VE" sz="1200" i="0" u="none" strike="noStrike" cap="none">
+                <a:solidFill>
+                  <a:srgbClr val="F7B600"/>
+                </a:solidFill>
+                <a:latin typeface="Montserrat"/>
+                <a:ea typeface="Montserrat"/>
+                <a:cs typeface="Montserrat"/>
+                <a:sym typeface="Montserrat"/>
+              </a:rPr>
+              <a:t>de Información</a:t>
+            </a:r>
+            <a:endParaRPr lang="es-VE" sz="1200" i="0" u="none" strike="noStrike" cap="none" dirty="0">
+              <a:solidFill>
+                <a:srgbClr val="F7B600"/>
+              </a:solidFill>
+              <a:latin typeface="Montserrat"/>
+              <a:ea typeface="Montserrat"/>
+              <a:cs typeface="Montserrat"/>
+              <a:sym typeface="Montserrat"/>
+            </a:endParaRPr>
+          </a:p>
+        </p:txBody>
+      </p:sp>
+      <p:pic>
+        <p:nvPicPr>
+          <p:cNvPr id="395" name="Shape 395" descr="isotipo codeacademy.png"/>
+          <p:cNvPicPr preferRelativeResize="0"/>
+          <p:nvPr/>
+        </p:nvPicPr>
+        <p:blipFill rotWithShape="1">
+          <a:blip r:embed="rId4">
+            <a:alphaModFix/>
+          </a:blip>
+          <a:srcRect/>
+          <a:stretch/>
+        </p:blipFill>
+        <p:spPr>
+          <a:xfrm>
+            <a:off x="131781" y="126082"/>
+            <a:ext cx="548100" cy="548100"/>
+          </a:xfrm>
+          <a:prstGeom prst="rect">
+            <a:avLst/>
+          </a:prstGeom>
+          <a:noFill/>
+          <a:ln>
+            <a:noFill/>
+          </a:ln>
+        </p:spPr>
+      </p:pic>
+      <p:sp>
+        <p:nvSpPr>
+          <p:cNvPr id="396" name="Shape 396"/>
+          <p:cNvSpPr txBox="1"/>
+          <p:nvPr/>
+        </p:nvSpPr>
+        <p:spPr>
+          <a:xfrm>
+            <a:off x="1117077" y="674182"/>
+            <a:ext cx="7107810" cy="646200"/>
           </a:xfrm>
           <a:prstGeom prst="rect">
             <a:avLst/>
@@ -10569,28 +10989,1828 @@
           <a:lstStyle/>
           <a:p>
             <a:pPr marL="0" marR="0" lvl="0" indent="0" algn="l" rtl="0">
+              <a:spcBef>
+                <a:spcPts val="0"/>
+              </a:spcBef>
+              <a:buSzPct val="25000"/>
+              <a:buNone/>
+            </a:pPr>
+            <a:r>
+              <a:rPr lang="es-GT" sz="3600" b="0" i="0" u="none" strike="noStrike" cap="none" dirty="0">
+                <a:solidFill>
+                  <a:srgbClr val="F7B600"/>
+                </a:solidFill>
+                <a:latin typeface="Raleway"/>
+                <a:ea typeface="Raleway"/>
+                <a:cs typeface="Raleway"/>
+                <a:sym typeface="Raleway"/>
+              </a:rPr>
+              <a:t>Elementos</a:t>
+            </a:r>
+          </a:p>
+        </p:txBody>
+      </p:sp>
+      <p:grpSp>
+        <p:nvGrpSpPr>
+          <p:cNvPr id="8" name="Group 7">
+            <a:extLst>
+              <a:ext uri="{FF2B5EF4-FFF2-40B4-BE49-F238E27FC236}">
+                <a16:creationId xmlns:a16="http://schemas.microsoft.com/office/drawing/2014/main" id="{5544763F-6120-44E3-8570-458092856A84}"/>
+              </a:ext>
+            </a:extLst>
+          </p:cNvPr>
+          <p:cNvGrpSpPr/>
+          <p:nvPr/>
+        </p:nvGrpSpPr>
+        <p:grpSpPr>
+          <a:xfrm>
+            <a:off x="131781" y="6148086"/>
+            <a:ext cx="400639" cy="377072"/>
+            <a:chOff x="5321431" y="1607270"/>
+            <a:chExt cx="400639" cy="377072"/>
+          </a:xfrm>
+        </p:grpSpPr>
+        <p:sp>
+          <p:nvSpPr>
+            <p:cNvPr id="5" name="Oval 4">
+              <a:extLst>
+                <a:ext uri="{FF2B5EF4-FFF2-40B4-BE49-F238E27FC236}">
+                  <a16:creationId xmlns:a16="http://schemas.microsoft.com/office/drawing/2014/main" id="{AA8E861C-182B-4FC8-AF94-07067FFC1A9E}"/>
+                </a:ext>
+              </a:extLst>
+            </p:cNvPr>
+            <p:cNvSpPr/>
+            <p:nvPr/>
+          </p:nvSpPr>
+          <p:spPr>
+            <a:xfrm flipH="1">
+              <a:off x="5321431" y="1607270"/>
+              <a:ext cx="400639" cy="377072"/>
+            </a:xfrm>
+            <a:prstGeom prst="ellipse">
+              <a:avLst/>
+            </a:prstGeom>
+            <a:solidFill>
+              <a:srgbClr val="F7B617"/>
+            </a:solidFill>
+            <a:ln>
+              <a:solidFill>
+                <a:srgbClr val="2B2B2B"/>
+              </a:solidFill>
+            </a:ln>
+          </p:spPr>
+          <p:style>
+            <a:lnRef idx="2">
+              <a:schemeClr val="accent1">
+                <a:shade val="50000"/>
+              </a:schemeClr>
+            </a:lnRef>
+            <a:fillRef idx="1">
+              <a:schemeClr val="accent1"/>
+            </a:fillRef>
+            <a:effectRef idx="0">
+              <a:schemeClr val="accent1"/>
+            </a:effectRef>
+            <a:fontRef idx="minor">
+              <a:schemeClr val="lt1"/>
+            </a:fontRef>
+          </p:style>
+          <p:txBody>
+            <a:bodyPr rtlCol="0" anchor="ctr"/>
+            <a:lstStyle/>
+            <a:p>
+              <a:pPr algn="ctr"/>
+              <a:endParaRPr lang="en-US"/>
+            </a:p>
+          </p:txBody>
+        </p:sp>
+        <p:sp>
+          <p:nvSpPr>
+            <p:cNvPr id="7" name="TextBox 6">
+              <a:extLst>
+                <a:ext uri="{FF2B5EF4-FFF2-40B4-BE49-F238E27FC236}">
+                  <a16:creationId xmlns:a16="http://schemas.microsoft.com/office/drawing/2014/main" id="{A4B7ED9E-B110-4FC4-B01C-82E8626B70C7}"/>
+                </a:ext>
+              </a:extLst>
+            </p:cNvPr>
+            <p:cNvSpPr txBox="1"/>
+            <p:nvPr/>
+          </p:nvSpPr>
+          <p:spPr>
+            <a:xfrm>
+              <a:off x="5459535" y="1621409"/>
+              <a:ext cx="45719" cy="307777"/>
+            </a:xfrm>
+            <a:prstGeom prst="rect">
+              <a:avLst/>
+            </a:prstGeom>
+            <a:noFill/>
+          </p:spPr>
+          <p:txBody>
+            <a:bodyPr wrap="square" rtlCol="0">
+              <a:spAutoFit/>
+            </a:bodyPr>
+            <a:lstStyle/>
+            <a:p>
+              <a:r>
+                <a:rPr lang="en-US" b="1" dirty="0">
+                  <a:solidFill>
+                    <a:srgbClr val="2B2B2B"/>
+                  </a:solidFill>
+                  <a:latin typeface="Raleway" panose="020B0604020202020204" charset="0"/>
+                </a:rPr>
+                <a:t>1</a:t>
+              </a:r>
+            </a:p>
+          </p:txBody>
+        </p:sp>
+      </p:grpSp>
+      <p:grpSp>
+        <p:nvGrpSpPr>
+          <p:cNvPr id="13" name="Group 12">
+            <a:extLst>
+              <a:ext uri="{FF2B5EF4-FFF2-40B4-BE49-F238E27FC236}">
+                <a16:creationId xmlns:a16="http://schemas.microsoft.com/office/drawing/2014/main" id="{B49B02C9-9448-4770-8F88-D7C154FA14E1}"/>
+              </a:ext>
+            </a:extLst>
+          </p:cNvPr>
+          <p:cNvGrpSpPr/>
+          <p:nvPr/>
+        </p:nvGrpSpPr>
+        <p:grpSpPr>
+          <a:xfrm>
+            <a:off x="1779451" y="6162225"/>
+            <a:ext cx="400639" cy="377072"/>
+            <a:chOff x="5321431" y="1607270"/>
+            <a:chExt cx="400639" cy="377072"/>
+          </a:xfrm>
+        </p:grpSpPr>
+        <p:sp>
+          <p:nvSpPr>
+            <p:cNvPr id="14" name="Oval 13">
+              <a:extLst>
+                <a:ext uri="{FF2B5EF4-FFF2-40B4-BE49-F238E27FC236}">
+                  <a16:creationId xmlns:a16="http://schemas.microsoft.com/office/drawing/2014/main" id="{70B5F1CC-81C8-4D10-A5FB-08B77FB3C41D}"/>
+                </a:ext>
+              </a:extLst>
+            </p:cNvPr>
+            <p:cNvSpPr/>
+            <p:nvPr/>
+          </p:nvSpPr>
+          <p:spPr>
+            <a:xfrm flipH="1">
+              <a:off x="5321431" y="1607270"/>
+              <a:ext cx="400639" cy="377072"/>
+            </a:xfrm>
+            <a:prstGeom prst="ellipse">
+              <a:avLst/>
+            </a:prstGeom>
+            <a:solidFill>
+              <a:srgbClr val="F7B617"/>
+            </a:solidFill>
+            <a:ln>
+              <a:solidFill>
+                <a:srgbClr val="2B2B2B"/>
+              </a:solidFill>
+            </a:ln>
+          </p:spPr>
+          <p:style>
+            <a:lnRef idx="2">
+              <a:schemeClr val="accent1">
+                <a:shade val="50000"/>
+              </a:schemeClr>
+            </a:lnRef>
+            <a:fillRef idx="1">
+              <a:schemeClr val="accent1"/>
+            </a:fillRef>
+            <a:effectRef idx="0">
+              <a:schemeClr val="accent1"/>
+            </a:effectRef>
+            <a:fontRef idx="minor">
+              <a:schemeClr val="lt1"/>
+            </a:fontRef>
+          </p:style>
+          <p:txBody>
+            <a:bodyPr rtlCol="0" anchor="ctr"/>
+            <a:lstStyle/>
+            <a:p>
+              <a:pPr algn="ctr"/>
+              <a:endParaRPr lang="en-US"/>
+            </a:p>
+          </p:txBody>
+        </p:sp>
+        <p:sp>
+          <p:nvSpPr>
+            <p:cNvPr id="15" name="TextBox 14">
+              <a:extLst>
+                <a:ext uri="{FF2B5EF4-FFF2-40B4-BE49-F238E27FC236}">
+                  <a16:creationId xmlns:a16="http://schemas.microsoft.com/office/drawing/2014/main" id="{31E7F765-05DB-41BF-BA1C-6B3741128AAD}"/>
+                </a:ext>
+              </a:extLst>
+            </p:cNvPr>
+            <p:cNvSpPr txBox="1"/>
+            <p:nvPr/>
+          </p:nvSpPr>
+          <p:spPr>
+            <a:xfrm>
+              <a:off x="5464248" y="1621409"/>
+              <a:ext cx="45719" cy="307777"/>
+            </a:xfrm>
+            <a:prstGeom prst="rect">
+              <a:avLst/>
+            </a:prstGeom>
+            <a:noFill/>
+          </p:spPr>
+          <p:txBody>
+            <a:bodyPr wrap="square" rtlCol="0">
+              <a:spAutoFit/>
+            </a:bodyPr>
+            <a:lstStyle/>
+            <a:p>
+              <a:r>
+                <a:rPr lang="en-US" b="1" dirty="0">
+                  <a:solidFill>
+                    <a:srgbClr val="2B2B2B"/>
+                  </a:solidFill>
+                  <a:latin typeface="Raleway" panose="020B0604020202020204" charset="0"/>
+                </a:rPr>
+                <a:t>2</a:t>
+              </a:r>
+            </a:p>
+          </p:txBody>
+        </p:sp>
+      </p:grpSp>
+      <p:grpSp>
+        <p:nvGrpSpPr>
+          <p:cNvPr id="16" name="Group 15">
+            <a:extLst>
+              <a:ext uri="{FF2B5EF4-FFF2-40B4-BE49-F238E27FC236}">
+                <a16:creationId xmlns:a16="http://schemas.microsoft.com/office/drawing/2014/main" id="{6FED9726-F1AD-44C6-9988-5F2077DCC854}"/>
+              </a:ext>
+            </a:extLst>
+          </p:cNvPr>
+          <p:cNvGrpSpPr/>
+          <p:nvPr/>
+        </p:nvGrpSpPr>
+        <p:grpSpPr>
+          <a:xfrm>
+            <a:off x="2983584" y="6141716"/>
+            <a:ext cx="400639" cy="377072"/>
+            <a:chOff x="5321431" y="1607270"/>
+            <a:chExt cx="400639" cy="377072"/>
+          </a:xfrm>
+        </p:grpSpPr>
+        <p:sp>
+          <p:nvSpPr>
+            <p:cNvPr id="17" name="Oval 16">
+              <a:extLst>
+                <a:ext uri="{FF2B5EF4-FFF2-40B4-BE49-F238E27FC236}">
+                  <a16:creationId xmlns:a16="http://schemas.microsoft.com/office/drawing/2014/main" id="{7B4A431B-13FE-49C6-843B-C45E903943B8}"/>
+                </a:ext>
+              </a:extLst>
+            </p:cNvPr>
+            <p:cNvSpPr/>
+            <p:nvPr/>
+          </p:nvSpPr>
+          <p:spPr>
+            <a:xfrm flipH="1">
+              <a:off x="5321431" y="1607270"/>
+              <a:ext cx="400639" cy="377072"/>
+            </a:xfrm>
+            <a:prstGeom prst="ellipse">
+              <a:avLst/>
+            </a:prstGeom>
+            <a:solidFill>
+              <a:srgbClr val="F7B617"/>
+            </a:solidFill>
+            <a:ln>
+              <a:solidFill>
+                <a:srgbClr val="2B2B2B"/>
+              </a:solidFill>
+            </a:ln>
+          </p:spPr>
+          <p:style>
+            <a:lnRef idx="2">
+              <a:schemeClr val="accent1">
+                <a:shade val="50000"/>
+              </a:schemeClr>
+            </a:lnRef>
+            <a:fillRef idx="1">
+              <a:schemeClr val="accent1"/>
+            </a:fillRef>
+            <a:effectRef idx="0">
+              <a:schemeClr val="accent1"/>
+            </a:effectRef>
+            <a:fontRef idx="minor">
+              <a:schemeClr val="lt1"/>
+            </a:fontRef>
+          </p:style>
+          <p:txBody>
+            <a:bodyPr rtlCol="0" anchor="ctr"/>
+            <a:lstStyle/>
+            <a:p>
+              <a:pPr algn="ctr"/>
+              <a:endParaRPr lang="en-US"/>
+            </a:p>
+          </p:txBody>
+        </p:sp>
+        <p:sp>
+          <p:nvSpPr>
+            <p:cNvPr id="18" name="TextBox 17">
+              <a:extLst>
+                <a:ext uri="{FF2B5EF4-FFF2-40B4-BE49-F238E27FC236}">
+                  <a16:creationId xmlns:a16="http://schemas.microsoft.com/office/drawing/2014/main" id="{3B7913F0-6904-4C56-A6F2-BB913A4DF333}"/>
+                </a:ext>
+              </a:extLst>
+            </p:cNvPr>
+            <p:cNvSpPr txBox="1"/>
+            <p:nvPr/>
+          </p:nvSpPr>
+          <p:spPr>
+            <a:xfrm>
+              <a:off x="5459535" y="1621409"/>
+              <a:ext cx="45719" cy="307777"/>
+            </a:xfrm>
+            <a:prstGeom prst="rect">
+              <a:avLst/>
+            </a:prstGeom>
+            <a:noFill/>
+          </p:spPr>
+          <p:txBody>
+            <a:bodyPr wrap="square" rtlCol="0">
+              <a:spAutoFit/>
+            </a:bodyPr>
+            <a:lstStyle/>
+            <a:p>
+              <a:r>
+                <a:rPr lang="en-US" b="1" dirty="0">
+                  <a:solidFill>
+                    <a:srgbClr val="2B2B2B"/>
+                  </a:solidFill>
+                  <a:latin typeface="Raleway" panose="020B0604020202020204" charset="0"/>
+                </a:rPr>
+                <a:t>3</a:t>
+              </a:r>
+            </a:p>
+          </p:txBody>
+        </p:sp>
+      </p:grpSp>
+      <p:grpSp>
+        <p:nvGrpSpPr>
+          <p:cNvPr id="19" name="Group 18">
+            <a:extLst>
+              <a:ext uri="{FF2B5EF4-FFF2-40B4-BE49-F238E27FC236}">
+                <a16:creationId xmlns:a16="http://schemas.microsoft.com/office/drawing/2014/main" id="{283E35B5-A60B-4C5F-A556-A5324D2479A3}"/>
+              </a:ext>
+            </a:extLst>
+          </p:cNvPr>
+          <p:cNvGrpSpPr/>
+          <p:nvPr/>
+        </p:nvGrpSpPr>
+        <p:grpSpPr>
+          <a:xfrm>
+            <a:off x="7293833" y="6123770"/>
+            <a:ext cx="400639" cy="377072"/>
+            <a:chOff x="5321431" y="1607270"/>
+            <a:chExt cx="400639" cy="377072"/>
+          </a:xfrm>
+        </p:grpSpPr>
+        <p:sp>
+          <p:nvSpPr>
+            <p:cNvPr id="20" name="Oval 19">
+              <a:extLst>
+                <a:ext uri="{FF2B5EF4-FFF2-40B4-BE49-F238E27FC236}">
+                  <a16:creationId xmlns:a16="http://schemas.microsoft.com/office/drawing/2014/main" id="{BDE2B98B-1E29-4F36-9802-1563D6B8B77A}"/>
+                </a:ext>
+              </a:extLst>
+            </p:cNvPr>
+            <p:cNvSpPr/>
+            <p:nvPr/>
+          </p:nvSpPr>
+          <p:spPr>
+            <a:xfrm flipH="1">
+              <a:off x="5321431" y="1607270"/>
+              <a:ext cx="400639" cy="377072"/>
+            </a:xfrm>
+            <a:prstGeom prst="ellipse">
+              <a:avLst/>
+            </a:prstGeom>
+            <a:solidFill>
+              <a:srgbClr val="F7B617"/>
+            </a:solidFill>
+            <a:ln>
+              <a:solidFill>
+                <a:srgbClr val="2B2B2B"/>
+              </a:solidFill>
+            </a:ln>
+          </p:spPr>
+          <p:style>
+            <a:lnRef idx="2">
+              <a:schemeClr val="accent1">
+                <a:shade val="50000"/>
+              </a:schemeClr>
+            </a:lnRef>
+            <a:fillRef idx="1">
+              <a:schemeClr val="accent1"/>
+            </a:fillRef>
+            <a:effectRef idx="0">
+              <a:schemeClr val="accent1"/>
+            </a:effectRef>
+            <a:fontRef idx="minor">
+              <a:schemeClr val="lt1"/>
+            </a:fontRef>
+          </p:style>
+          <p:txBody>
+            <a:bodyPr rtlCol="0" anchor="ctr"/>
+            <a:lstStyle/>
+            <a:p>
+              <a:pPr algn="ctr"/>
+              <a:endParaRPr lang="en-US"/>
+            </a:p>
+          </p:txBody>
+        </p:sp>
+        <p:sp>
+          <p:nvSpPr>
+            <p:cNvPr id="21" name="TextBox 20">
+              <a:extLst>
+                <a:ext uri="{FF2B5EF4-FFF2-40B4-BE49-F238E27FC236}">
+                  <a16:creationId xmlns:a16="http://schemas.microsoft.com/office/drawing/2014/main" id="{3515FD91-CF6B-4EA1-8F10-E7FB50E21935}"/>
+                </a:ext>
+              </a:extLst>
+            </p:cNvPr>
+            <p:cNvSpPr txBox="1"/>
+            <p:nvPr/>
+          </p:nvSpPr>
+          <p:spPr>
+            <a:xfrm>
+              <a:off x="5468961" y="1621409"/>
+              <a:ext cx="45719" cy="307777"/>
+            </a:xfrm>
+            <a:prstGeom prst="rect">
+              <a:avLst/>
+            </a:prstGeom>
+            <a:noFill/>
+          </p:spPr>
+          <p:txBody>
+            <a:bodyPr wrap="square" rtlCol="0">
+              <a:spAutoFit/>
+            </a:bodyPr>
+            <a:lstStyle/>
+            <a:p>
+              <a:r>
+                <a:rPr lang="en-US" b="1" dirty="0">
+                  <a:solidFill>
+                    <a:srgbClr val="2B2B2B"/>
+                  </a:solidFill>
+                  <a:latin typeface="Raleway" panose="020B0604020202020204" charset="0"/>
+                </a:rPr>
+                <a:t>5</a:t>
+              </a:r>
+            </a:p>
+          </p:txBody>
+        </p:sp>
+      </p:grpSp>
+      <p:grpSp>
+        <p:nvGrpSpPr>
+          <p:cNvPr id="22" name="Group 21">
+            <a:extLst>
+              <a:ext uri="{FF2B5EF4-FFF2-40B4-BE49-F238E27FC236}">
+                <a16:creationId xmlns:a16="http://schemas.microsoft.com/office/drawing/2014/main" id="{842C3880-0DA3-42A8-AB74-0CE9FA1308CE}"/>
+              </a:ext>
+            </a:extLst>
+          </p:cNvPr>
+          <p:cNvGrpSpPr/>
+          <p:nvPr/>
+        </p:nvGrpSpPr>
+        <p:grpSpPr>
+          <a:xfrm>
+            <a:off x="4470662" y="6114927"/>
+            <a:ext cx="400639" cy="377072"/>
+            <a:chOff x="5321431" y="1607270"/>
+            <a:chExt cx="400639" cy="377072"/>
+          </a:xfrm>
+        </p:grpSpPr>
+        <p:sp>
+          <p:nvSpPr>
+            <p:cNvPr id="23" name="Oval 22">
+              <a:extLst>
+                <a:ext uri="{FF2B5EF4-FFF2-40B4-BE49-F238E27FC236}">
+                  <a16:creationId xmlns:a16="http://schemas.microsoft.com/office/drawing/2014/main" id="{621F081B-107A-452E-8003-C0C357BC6209}"/>
+                </a:ext>
+              </a:extLst>
+            </p:cNvPr>
+            <p:cNvSpPr/>
+            <p:nvPr/>
+          </p:nvSpPr>
+          <p:spPr>
+            <a:xfrm flipH="1">
+              <a:off x="5321431" y="1607270"/>
+              <a:ext cx="400639" cy="377072"/>
+            </a:xfrm>
+            <a:prstGeom prst="ellipse">
+              <a:avLst/>
+            </a:prstGeom>
+            <a:solidFill>
+              <a:srgbClr val="F7B617"/>
+            </a:solidFill>
+            <a:ln>
+              <a:solidFill>
+                <a:srgbClr val="2B2B2B"/>
+              </a:solidFill>
+            </a:ln>
+          </p:spPr>
+          <p:style>
+            <a:lnRef idx="2">
+              <a:schemeClr val="accent1">
+                <a:shade val="50000"/>
+              </a:schemeClr>
+            </a:lnRef>
+            <a:fillRef idx="1">
+              <a:schemeClr val="accent1"/>
+            </a:fillRef>
+            <a:effectRef idx="0">
+              <a:schemeClr val="accent1"/>
+            </a:effectRef>
+            <a:fontRef idx="minor">
+              <a:schemeClr val="lt1"/>
+            </a:fontRef>
+          </p:style>
+          <p:txBody>
+            <a:bodyPr rtlCol="0" anchor="ctr"/>
+            <a:lstStyle/>
+            <a:p>
+              <a:pPr algn="ctr"/>
+              <a:endParaRPr lang="en-US"/>
+            </a:p>
+          </p:txBody>
+        </p:sp>
+        <p:sp>
+          <p:nvSpPr>
+            <p:cNvPr id="24" name="TextBox 23">
+              <a:extLst>
+                <a:ext uri="{FF2B5EF4-FFF2-40B4-BE49-F238E27FC236}">
+                  <a16:creationId xmlns:a16="http://schemas.microsoft.com/office/drawing/2014/main" id="{F8A0401C-9E4D-4F7A-AF67-F4E4ED578408}"/>
+                </a:ext>
+              </a:extLst>
+            </p:cNvPr>
+            <p:cNvSpPr txBox="1"/>
+            <p:nvPr/>
+          </p:nvSpPr>
+          <p:spPr>
+            <a:xfrm>
+              <a:off x="5464248" y="1621409"/>
+              <a:ext cx="45719" cy="307777"/>
+            </a:xfrm>
+            <a:prstGeom prst="rect">
+              <a:avLst/>
+            </a:prstGeom>
+            <a:noFill/>
+          </p:spPr>
+          <p:txBody>
+            <a:bodyPr wrap="square" rtlCol="0">
+              <a:spAutoFit/>
+            </a:bodyPr>
+            <a:lstStyle/>
+            <a:p>
+              <a:r>
+                <a:rPr lang="en-US" b="1" dirty="0">
+                  <a:solidFill>
+                    <a:srgbClr val="2B2B2B"/>
+                  </a:solidFill>
+                  <a:latin typeface="Raleway" panose="020B0604020202020204" charset="0"/>
+                </a:rPr>
+                <a:t>4</a:t>
+              </a:r>
+            </a:p>
+          </p:txBody>
+        </p:sp>
+      </p:grpSp>
+      <p:grpSp>
+        <p:nvGrpSpPr>
+          <p:cNvPr id="25" name="Group 24">
+            <a:extLst>
+              <a:ext uri="{FF2B5EF4-FFF2-40B4-BE49-F238E27FC236}">
+                <a16:creationId xmlns:a16="http://schemas.microsoft.com/office/drawing/2014/main" id="{4A7BAA38-0930-4F21-8C2A-BAA4132A1135}"/>
+              </a:ext>
+            </a:extLst>
+          </p:cNvPr>
+          <p:cNvGrpSpPr/>
+          <p:nvPr/>
+        </p:nvGrpSpPr>
+        <p:grpSpPr>
+          <a:xfrm>
+            <a:off x="826222" y="1823176"/>
+            <a:ext cx="400639" cy="377072"/>
+            <a:chOff x="5321431" y="1607270"/>
+            <a:chExt cx="400639" cy="377072"/>
+          </a:xfrm>
+        </p:grpSpPr>
+        <p:sp>
+          <p:nvSpPr>
+            <p:cNvPr id="26" name="Oval 25">
+              <a:extLst>
+                <a:ext uri="{FF2B5EF4-FFF2-40B4-BE49-F238E27FC236}">
+                  <a16:creationId xmlns:a16="http://schemas.microsoft.com/office/drawing/2014/main" id="{6C5A673E-4B65-47AD-A36B-38B96E7BD1CC}"/>
+                </a:ext>
+              </a:extLst>
+            </p:cNvPr>
+            <p:cNvSpPr/>
+            <p:nvPr/>
+          </p:nvSpPr>
+          <p:spPr>
+            <a:xfrm flipH="1">
+              <a:off x="5321431" y="1607270"/>
+              <a:ext cx="400639" cy="377072"/>
+            </a:xfrm>
+            <a:prstGeom prst="ellipse">
+              <a:avLst/>
+            </a:prstGeom>
+            <a:solidFill>
+              <a:srgbClr val="F7B617"/>
+            </a:solidFill>
+            <a:ln>
+              <a:solidFill>
+                <a:srgbClr val="2B2B2B"/>
+              </a:solidFill>
+            </a:ln>
+          </p:spPr>
+          <p:style>
+            <a:lnRef idx="2">
+              <a:schemeClr val="accent1">
+                <a:shade val="50000"/>
+              </a:schemeClr>
+            </a:lnRef>
+            <a:fillRef idx="1">
+              <a:schemeClr val="accent1"/>
+            </a:fillRef>
+            <a:effectRef idx="0">
+              <a:schemeClr val="accent1"/>
+            </a:effectRef>
+            <a:fontRef idx="minor">
+              <a:schemeClr val="lt1"/>
+            </a:fontRef>
+          </p:style>
+          <p:txBody>
+            <a:bodyPr rtlCol="0" anchor="ctr"/>
+            <a:lstStyle/>
+            <a:p>
+              <a:pPr algn="ctr"/>
+              <a:endParaRPr lang="en-US"/>
+            </a:p>
+          </p:txBody>
+        </p:sp>
+        <p:sp>
+          <p:nvSpPr>
+            <p:cNvPr id="27" name="TextBox 26">
+              <a:extLst>
+                <a:ext uri="{FF2B5EF4-FFF2-40B4-BE49-F238E27FC236}">
+                  <a16:creationId xmlns:a16="http://schemas.microsoft.com/office/drawing/2014/main" id="{108AEC68-DC9E-403A-832B-B9C66F4C4344}"/>
+                </a:ext>
+              </a:extLst>
+            </p:cNvPr>
+            <p:cNvSpPr txBox="1"/>
+            <p:nvPr/>
+          </p:nvSpPr>
+          <p:spPr>
+            <a:xfrm>
+              <a:off x="5459535" y="1621409"/>
+              <a:ext cx="45719" cy="307777"/>
+            </a:xfrm>
+            <a:prstGeom prst="rect">
+              <a:avLst/>
+            </a:prstGeom>
+            <a:noFill/>
+          </p:spPr>
+          <p:txBody>
+            <a:bodyPr wrap="square" rtlCol="0">
+              <a:spAutoFit/>
+            </a:bodyPr>
+            <a:lstStyle/>
+            <a:p>
+              <a:r>
+                <a:rPr lang="en-US" b="1" dirty="0">
+                  <a:solidFill>
+                    <a:srgbClr val="2B2B2B"/>
+                  </a:solidFill>
+                  <a:latin typeface="Raleway" panose="020B0604020202020204" charset="0"/>
+                </a:rPr>
+                <a:t>1</a:t>
+              </a:r>
+            </a:p>
+          </p:txBody>
+        </p:sp>
+      </p:grpSp>
+      <p:grpSp>
+        <p:nvGrpSpPr>
+          <p:cNvPr id="28" name="Group 27">
+            <a:extLst>
+              <a:ext uri="{FF2B5EF4-FFF2-40B4-BE49-F238E27FC236}">
+                <a16:creationId xmlns:a16="http://schemas.microsoft.com/office/drawing/2014/main" id="{C278E3A9-57BD-4E46-9931-6463EBB442B4}"/>
+              </a:ext>
+            </a:extLst>
+          </p:cNvPr>
+          <p:cNvGrpSpPr/>
+          <p:nvPr/>
+        </p:nvGrpSpPr>
+        <p:grpSpPr>
+          <a:xfrm>
+            <a:off x="716438" y="2704152"/>
+            <a:ext cx="400639" cy="377072"/>
+            <a:chOff x="5321431" y="1607270"/>
+            <a:chExt cx="400639" cy="377072"/>
+          </a:xfrm>
+        </p:grpSpPr>
+        <p:sp>
+          <p:nvSpPr>
+            <p:cNvPr id="29" name="Oval 28">
+              <a:extLst>
+                <a:ext uri="{FF2B5EF4-FFF2-40B4-BE49-F238E27FC236}">
+                  <a16:creationId xmlns:a16="http://schemas.microsoft.com/office/drawing/2014/main" id="{3CD36AA8-0B74-4282-A237-963F7AFDCBEE}"/>
+                </a:ext>
+              </a:extLst>
+            </p:cNvPr>
+            <p:cNvSpPr/>
+            <p:nvPr/>
+          </p:nvSpPr>
+          <p:spPr>
+            <a:xfrm flipH="1">
+              <a:off x="5321431" y="1607270"/>
+              <a:ext cx="400639" cy="377072"/>
+            </a:xfrm>
+            <a:prstGeom prst="ellipse">
+              <a:avLst/>
+            </a:prstGeom>
+            <a:solidFill>
+              <a:srgbClr val="F7B617"/>
+            </a:solidFill>
+            <a:ln>
+              <a:solidFill>
+                <a:srgbClr val="2B2B2B"/>
+              </a:solidFill>
+            </a:ln>
+          </p:spPr>
+          <p:style>
+            <a:lnRef idx="2">
+              <a:schemeClr val="accent1">
+                <a:shade val="50000"/>
+              </a:schemeClr>
+            </a:lnRef>
+            <a:fillRef idx="1">
+              <a:schemeClr val="accent1"/>
+            </a:fillRef>
+            <a:effectRef idx="0">
+              <a:schemeClr val="accent1"/>
+            </a:effectRef>
+            <a:fontRef idx="minor">
+              <a:schemeClr val="lt1"/>
+            </a:fontRef>
+          </p:style>
+          <p:txBody>
+            <a:bodyPr rtlCol="0" anchor="ctr"/>
+            <a:lstStyle/>
+            <a:p>
+              <a:pPr algn="ctr"/>
+              <a:endParaRPr lang="en-US"/>
+            </a:p>
+          </p:txBody>
+        </p:sp>
+        <p:sp>
+          <p:nvSpPr>
+            <p:cNvPr id="30" name="TextBox 29">
+              <a:extLst>
+                <a:ext uri="{FF2B5EF4-FFF2-40B4-BE49-F238E27FC236}">
+                  <a16:creationId xmlns:a16="http://schemas.microsoft.com/office/drawing/2014/main" id="{2C1CCE62-3512-49C5-B553-7866B5EF531F}"/>
+                </a:ext>
+              </a:extLst>
+            </p:cNvPr>
+            <p:cNvSpPr txBox="1"/>
+            <p:nvPr/>
+          </p:nvSpPr>
+          <p:spPr>
+            <a:xfrm>
+              <a:off x="5464248" y="1621409"/>
+              <a:ext cx="45719" cy="307777"/>
+            </a:xfrm>
+            <a:prstGeom prst="rect">
+              <a:avLst/>
+            </a:prstGeom>
+            <a:noFill/>
+          </p:spPr>
+          <p:txBody>
+            <a:bodyPr wrap="square" rtlCol="0">
+              <a:spAutoFit/>
+            </a:bodyPr>
+            <a:lstStyle/>
+            <a:p>
+              <a:r>
+                <a:rPr lang="en-US" b="1" dirty="0">
+                  <a:solidFill>
+                    <a:srgbClr val="2B2B2B"/>
+                  </a:solidFill>
+                  <a:latin typeface="Raleway" panose="020B0604020202020204" charset="0"/>
+                </a:rPr>
+                <a:t>2</a:t>
+              </a:r>
+            </a:p>
+          </p:txBody>
+        </p:sp>
+      </p:grpSp>
+      <p:grpSp>
+        <p:nvGrpSpPr>
+          <p:cNvPr id="31" name="Group 30">
+            <a:extLst>
+              <a:ext uri="{FF2B5EF4-FFF2-40B4-BE49-F238E27FC236}">
+                <a16:creationId xmlns:a16="http://schemas.microsoft.com/office/drawing/2014/main" id="{37B3A9A6-28ED-4A44-AC1B-B4E4EC471AB0}"/>
+              </a:ext>
+            </a:extLst>
+          </p:cNvPr>
+          <p:cNvGrpSpPr/>
+          <p:nvPr/>
+        </p:nvGrpSpPr>
+        <p:grpSpPr>
+          <a:xfrm>
+            <a:off x="764006" y="4116232"/>
+            <a:ext cx="400639" cy="377072"/>
+            <a:chOff x="5321431" y="1607270"/>
+            <a:chExt cx="400639" cy="377072"/>
+          </a:xfrm>
+        </p:grpSpPr>
+        <p:sp>
+          <p:nvSpPr>
+            <p:cNvPr id="32" name="Oval 31">
+              <a:extLst>
+                <a:ext uri="{FF2B5EF4-FFF2-40B4-BE49-F238E27FC236}">
+                  <a16:creationId xmlns:a16="http://schemas.microsoft.com/office/drawing/2014/main" id="{7E6D9C3B-8876-4536-A7B9-AACBC030BEB7}"/>
+                </a:ext>
+              </a:extLst>
+            </p:cNvPr>
+            <p:cNvSpPr/>
+            <p:nvPr/>
+          </p:nvSpPr>
+          <p:spPr>
+            <a:xfrm flipH="1">
+              <a:off x="5321431" y="1607270"/>
+              <a:ext cx="400639" cy="377072"/>
+            </a:xfrm>
+            <a:prstGeom prst="ellipse">
+              <a:avLst/>
+            </a:prstGeom>
+            <a:solidFill>
+              <a:srgbClr val="F7B617"/>
+            </a:solidFill>
+            <a:ln>
+              <a:solidFill>
+                <a:srgbClr val="2B2B2B"/>
+              </a:solidFill>
+            </a:ln>
+          </p:spPr>
+          <p:style>
+            <a:lnRef idx="2">
+              <a:schemeClr val="accent1">
+                <a:shade val="50000"/>
+              </a:schemeClr>
+            </a:lnRef>
+            <a:fillRef idx="1">
+              <a:schemeClr val="accent1"/>
+            </a:fillRef>
+            <a:effectRef idx="0">
+              <a:schemeClr val="accent1"/>
+            </a:effectRef>
+            <a:fontRef idx="minor">
+              <a:schemeClr val="lt1"/>
+            </a:fontRef>
+          </p:style>
+          <p:txBody>
+            <a:bodyPr rtlCol="0" anchor="ctr"/>
+            <a:lstStyle/>
+            <a:p>
+              <a:pPr algn="ctr"/>
+              <a:endParaRPr lang="en-US"/>
+            </a:p>
+          </p:txBody>
+        </p:sp>
+        <p:sp>
+          <p:nvSpPr>
+            <p:cNvPr id="33" name="TextBox 32">
+              <a:extLst>
+                <a:ext uri="{FF2B5EF4-FFF2-40B4-BE49-F238E27FC236}">
+                  <a16:creationId xmlns:a16="http://schemas.microsoft.com/office/drawing/2014/main" id="{6C30E34D-FC1F-4318-BB1C-4D9B9AF83589}"/>
+                </a:ext>
+              </a:extLst>
+            </p:cNvPr>
+            <p:cNvSpPr txBox="1"/>
+            <p:nvPr/>
+          </p:nvSpPr>
+          <p:spPr>
+            <a:xfrm>
+              <a:off x="5459535" y="1621409"/>
+              <a:ext cx="45719" cy="307777"/>
+            </a:xfrm>
+            <a:prstGeom prst="rect">
+              <a:avLst/>
+            </a:prstGeom>
+            <a:noFill/>
+          </p:spPr>
+          <p:txBody>
+            <a:bodyPr wrap="square" rtlCol="0">
+              <a:spAutoFit/>
+            </a:bodyPr>
+            <a:lstStyle/>
+            <a:p>
+              <a:r>
+                <a:rPr lang="en-US" b="1" dirty="0">
+                  <a:solidFill>
+                    <a:srgbClr val="2B2B2B"/>
+                  </a:solidFill>
+                  <a:latin typeface="Raleway" panose="020B0604020202020204" charset="0"/>
+                </a:rPr>
+                <a:t>3</a:t>
+              </a:r>
+            </a:p>
+          </p:txBody>
+        </p:sp>
+      </p:grpSp>
+      <p:grpSp>
+        <p:nvGrpSpPr>
+          <p:cNvPr id="34" name="Group 33">
+            <a:extLst>
+              <a:ext uri="{FF2B5EF4-FFF2-40B4-BE49-F238E27FC236}">
+                <a16:creationId xmlns:a16="http://schemas.microsoft.com/office/drawing/2014/main" id="{5017054C-7C4D-4858-AEB0-25287D8B5A6B}"/>
+              </a:ext>
+            </a:extLst>
+          </p:cNvPr>
+          <p:cNvGrpSpPr/>
+          <p:nvPr/>
+        </p:nvGrpSpPr>
+        <p:grpSpPr>
+          <a:xfrm>
+            <a:off x="3689808" y="2145092"/>
+            <a:ext cx="400639" cy="377072"/>
+            <a:chOff x="5321431" y="1607270"/>
+            <a:chExt cx="400639" cy="377072"/>
+          </a:xfrm>
+        </p:grpSpPr>
+        <p:sp>
+          <p:nvSpPr>
+            <p:cNvPr id="35" name="Oval 34">
+              <a:extLst>
+                <a:ext uri="{FF2B5EF4-FFF2-40B4-BE49-F238E27FC236}">
+                  <a16:creationId xmlns:a16="http://schemas.microsoft.com/office/drawing/2014/main" id="{065A7D4D-579F-450B-8DAC-B4980858C255}"/>
+                </a:ext>
+              </a:extLst>
+            </p:cNvPr>
+            <p:cNvSpPr/>
+            <p:nvPr/>
+          </p:nvSpPr>
+          <p:spPr>
+            <a:xfrm flipH="1">
+              <a:off x="5321431" y="1607270"/>
+              <a:ext cx="400639" cy="377072"/>
+            </a:xfrm>
+            <a:prstGeom prst="ellipse">
+              <a:avLst/>
+            </a:prstGeom>
+            <a:solidFill>
+              <a:srgbClr val="F7B617"/>
+            </a:solidFill>
+            <a:ln>
+              <a:solidFill>
+                <a:srgbClr val="2B2B2B"/>
+              </a:solidFill>
+            </a:ln>
+          </p:spPr>
+          <p:style>
+            <a:lnRef idx="2">
+              <a:schemeClr val="accent1">
+                <a:shade val="50000"/>
+              </a:schemeClr>
+            </a:lnRef>
+            <a:fillRef idx="1">
+              <a:schemeClr val="accent1"/>
+            </a:fillRef>
+            <a:effectRef idx="0">
+              <a:schemeClr val="accent1"/>
+            </a:effectRef>
+            <a:fontRef idx="minor">
+              <a:schemeClr val="lt1"/>
+            </a:fontRef>
+          </p:style>
+          <p:txBody>
+            <a:bodyPr rtlCol="0" anchor="ctr"/>
+            <a:lstStyle/>
+            <a:p>
+              <a:pPr algn="ctr"/>
+              <a:endParaRPr lang="en-US"/>
+            </a:p>
+          </p:txBody>
+        </p:sp>
+        <p:sp>
+          <p:nvSpPr>
+            <p:cNvPr id="36" name="TextBox 35">
+              <a:extLst>
+                <a:ext uri="{FF2B5EF4-FFF2-40B4-BE49-F238E27FC236}">
+                  <a16:creationId xmlns:a16="http://schemas.microsoft.com/office/drawing/2014/main" id="{AB843E83-96AC-4BE4-B230-BEDB29C97964}"/>
+                </a:ext>
+              </a:extLst>
+            </p:cNvPr>
+            <p:cNvSpPr txBox="1"/>
+            <p:nvPr/>
+          </p:nvSpPr>
+          <p:spPr>
+            <a:xfrm>
+              <a:off x="5464248" y="1621409"/>
+              <a:ext cx="45719" cy="307777"/>
+            </a:xfrm>
+            <a:prstGeom prst="rect">
+              <a:avLst/>
+            </a:prstGeom>
+            <a:noFill/>
+          </p:spPr>
+          <p:txBody>
+            <a:bodyPr wrap="square" rtlCol="0">
+              <a:spAutoFit/>
+            </a:bodyPr>
+            <a:lstStyle/>
+            <a:p>
+              <a:r>
+                <a:rPr lang="en-US" b="1" dirty="0">
+                  <a:solidFill>
+                    <a:srgbClr val="2B2B2B"/>
+                  </a:solidFill>
+                  <a:latin typeface="Raleway" panose="020B0604020202020204" charset="0"/>
+                </a:rPr>
+                <a:t>4</a:t>
+              </a:r>
+            </a:p>
+          </p:txBody>
+        </p:sp>
+      </p:grpSp>
+      <p:grpSp>
+        <p:nvGrpSpPr>
+          <p:cNvPr id="37" name="Group 36">
+            <a:extLst>
+              <a:ext uri="{FF2B5EF4-FFF2-40B4-BE49-F238E27FC236}">
+                <a16:creationId xmlns:a16="http://schemas.microsoft.com/office/drawing/2014/main" id="{04135258-D7C6-4636-9B41-78CF0674F68B}"/>
+              </a:ext>
+            </a:extLst>
+          </p:cNvPr>
+          <p:cNvGrpSpPr/>
+          <p:nvPr/>
+        </p:nvGrpSpPr>
+        <p:grpSpPr>
+          <a:xfrm>
+            <a:off x="7151016" y="1997139"/>
+            <a:ext cx="400639" cy="377072"/>
+            <a:chOff x="5321431" y="1607270"/>
+            <a:chExt cx="400639" cy="377072"/>
+          </a:xfrm>
+        </p:grpSpPr>
+        <p:sp>
+          <p:nvSpPr>
+            <p:cNvPr id="38" name="Oval 37">
+              <a:extLst>
+                <a:ext uri="{FF2B5EF4-FFF2-40B4-BE49-F238E27FC236}">
+                  <a16:creationId xmlns:a16="http://schemas.microsoft.com/office/drawing/2014/main" id="{B9D570E2-92FD-450C-972A-01E44D1A9159}"/>
+                </a:ext>
+              </a:extLst>
+            </p:cNvPr>
+            <p:cNvSpPr/>
+            <p:nvPr/>
+          </p:nvSpPr>
+          <p:spPr>
+            <a:xfrm flipH="1">
+              <a:off x="5321431" y="1607270"/>
+              <a:ext cx="400639" cy="377072"/>
+            </a:xfrm>
+            <a:prstGeom prst="ellipse">
+              <a:avLst/>
+            </a:prstGeom>
+            <a:solidFill>
+              <a:srgbClr val="F7B617"/>
+            </a:solidFill>
+            <a:ln>
+              <a:solidFill>
+                <a:srgbClr val="2B2B2B"/>
+              </a:solidFill>
+            </a:ln>
+          </p:spPr>
+          <p:style>
+            <a:lnRef idx="2">
+              <a:schemeClr val="accent1">
+                <a:shade val="50000"/>
+              </a:schemeClr>
+            </a:lnRef>
+            <a:fillRef idx="1">
+              <a:schemeClr val="accent1"/>
+            </a:fillRef>
+            <a:effectRef idx="0">
+              <a:schemeClr val="accent1"/>
+            </a:effectRef>
+            <a:fontRef idx="minor">
+              <a:schemeClr val="lt1"/>
+            </a:fontRef>
+          </p:style>
+          <p:txBody>
+            <a:bodyPr rtlCol="0" anchor="ctr"/>
+            <a:lstStyle/>
+            <a:p>
+              <a:pPr algn="ctr"/>
+              <a:endParaRPr lang="en-US"/>
+            </a:p>
+          </p:txBody>
+        </p:sp>
+        <p:sp>
+          <p:nvSpPr>
+            <p:cNvPr id="39" name="TextBox 38">
+              <a:extLst>
+                <a:ext uri="{FF2B5EF4-FFF2-40B4-BE49-F238E27FC236}">
+                  <a16:creationId xmlns:a16="http://schemas.microsoft.com/office/drawing/2014/main" id="{F25D0BC1-F359-45AF-8FB9-4342969CF67D}"/>
+                </a:ext>
+              </a:extLst>
+            </p:cNvPr>
+            <p:cNvSpPr txBox="1"/>
+            <p:nvPr/>
+          </p:nvSpPr>
+          <p:spPr>
+            <a:xfrm>
+              <a:off x="5464248" y="1621409"/>
+              <a:ext cx="45719" cy="307777"/>
+            </a:xfrm>
+            <a:prstGeom prst="rect">
+              <a:avLst/>
+            </a:prstGeom>
+            <a:noFill/>
+          </p:spPr>
+          <p:txBody>
+            <a:bodyPr wrap="square" rtlCol="0">
+              <a:spAutoFit/>
+            </a:bodyPr>
+            <a:lstStyle/>
+            <a:p>
+              <a:r>
+                <a:rPr lang="en-US" b="1" dirty="0">
+                  <a:solidFill>
+                    <a:srgbClr val="2B2B2B"/>
+                  </a:solidFill>
+                  <a:latin typeface="Raleway" panose="020B0604020202020204" charset="0"/>
+                </a:rPr>
+                <a:t>4</a:t>
+              </a:r>
+            </a:p>
+          </p:txBody>
+        </p:sp>
+      </p:grpSp>
+      <p:grpSp>
+        <p:nvGrpSpPr>
+          <p:cNvPr id="40" name="Group 39">
+            <a:extLst>
+              <a:ext uri="{FF2B5EF4-FFF2-40B4-BE49-F238E27FC236}">
+                <a16:creationId xmlns:a16="http://schemas.microsoft.com/office/drawing/2014/main" id="{67F15EDB-ADF3-4EAB-9FE8-F563EA816025}"/>
+              </a:ext>
+            </a:extLst>
+          </p:cNvPr>
+          <p:cNvGrpSpPr/>
+          <p:nvPr/>
+        </p:nvGrpSpPr>
+        <p:grpSpPr>
+          <a:xfrm>
+            <a:off x="4572000" y="3745092"/>
+            <a:ext cx="400639" cy="377072"/>
+            <a:chOff x="5321431" y="1607270"/>
+            <a:chExt cx="400639" cy="377072"/>
+          </a:xfrm>
+        </p:grpSpPr>
+        <p:sp>
+          <p:nvSpPr>
+            <p:cNvPr id="41" name="Oval 40">
+              <a:extLst>
+                <a:ext uri="{FF2B5EF4-FFF2-40B4-BE49-F238E27FC236}">
+                  <a16:creationId xmlns:a16="http://schemas.microsoft.com/office/drawing/2014/main" id="{80C49C82-808E-4B38-8012-7969B2D7CFA4}"/>
+                </a:ext>
+              </a:extLst>
+            </p:cNvPr>
+            <p:cNvSpPr/>
+            <p:nvPr/>
+          </p:nvSpPr>
+          <p:spPr>
+            <a:xfrm flipH="1">
+              <a:off x="5321431" y="1607270"/>
+              <a:ext cx="400639" cy="377072"/>
+            </a:xfrm>
+            <a:prstGeom prst="ellipse">
+              <a:avLst/>
+            </a:prstGeom>
+            <a:solidFill>
+              <a:srgbClr val="F7B617"/>
+            </a:solidFill>
+            <a:ln>
+              <a:solidFill>
+                <a:srgbClr val="2B2B2B"/>
+              </a:solidFill>
+            </a:ln>
+          </p:spPr>
+          <p:style>
+            <a:lnRef idx="2">
+              <a:schemeClr val="accent1">
+                <a:shade val="50000"/>
+              </a:schemeClr>
+            </a:lnRef>
+            <a:fillRef idx="1">
+              <a:schemeClr val="accent1"/>
+            </a:fillRef>
+            <a:effectRef idx="0">
+              <a:schemeClr val="accent1"/>
+            </a:effectRef>
+            <a:fontRef idx="minor">
+              <a:schemeClr val="lt1"/>
+            </a:fontRef>
+          </p:style>
+          <p:txBody>
+            <a:bodyPr rtlCol="0" anchor="ctr"/>
+            <a:lstStyle/>
+            <a:p>
+              <a:pPr algn="ctr"/>
+              <a:endParaRPr lang="en-US"/>
+            </a:p>
+          </p:txBody>
+        </p:sp>
+        <p:sp>
+          <p:nvSpPr>
+            <p:cNvPr id="42" name="TextBox 41">
+              <a:extLst>
+                <a:ext uri="{FF2B5EF4-FFF2-40B4-BE49-F238E27FC236}">
+                  <a16:creationId xmlns:a16="http://schemas.microsoft.com/office/drawing/2014/main" id="{81763437-86DA-4941-B6EC-789659F7A06D}"/>
+                </a:ext>
+              </a:extLst>
+            </p:cNvPr>
+            <p:cNvSpPr txBox="1"/>
+            <p:nvPr/>
+          </p:nvSpPr>
+          <p:spPr>
+            <a:xfrm>
+              <a:off x="5464248" y="1621409"/>
+              <a:ext cx="45719" cy="307777"/>
+            </a:xfrm>
+            <a:prstGeom prst="rect">
+              <a:avLst/>
+            </a:prstGeom>
+            <a:noFill/>
+          </p:spPr>
+          <p:txBody>
+            <a:bodyPr wrap="square" rtlCol="0">
+              <a:spAutoFit/>
+            </a:bodyPr>
+            <a:lstStyle/>
+            <a:p>
+              <a:r>
+                <a:rPr lang="en-US" b="1" dirty="0">
+                  <a:solidFill>
+                    <a:srgbClr val="2B2B2B"/>
+                  </a:solidFill>
+                  <a:latin typeface="Raleway" panose="020B0604020202020204" charset="0"/>
+                </a:rPr>
+                <a:t>4</a:t>
+              </a:r>
+            </a:p>
+          </p:txBody>
+        </p:sp>
+      </p:grpSp>
+      <p:sp>
+        <p:nvSpPr>
+          <p:cNvPr id="9" name="Arrow: Right 8">
+            <a:extLst>
+              <a:ext uri="{FF2B5EF4-FFF2-40B4-BE49-F238E27FC236}">
+                <a16:creationId xmlns:a16="http://schemas.microsoft.com/office/drawing/2014/main" id="{BF5FB045-5277-4B3C-BBB2-90651D76353C}"/>
+              </a:ext>
+            </a:extLst>
+          </p:cNvPr>
+          <p:cNvSpPr/>
+          <p:nvPr/>
+        </p:nvSpPr>
+        <p:spPr>
+          <a:xfrm>
+            <a:off x="1091295" y="2161436"/>
+            <a:ext cx="1298400" cy="425550"/>
+          </a:xfrm>
+          <a:prstGeom prst="rightArrow">
+            <a:avLst/>
+          </a:prstGeom>
+          <a:solidFill>
+            <a:srgbClr val="2B2B2B"/>
+          </a:solidFill>
+          <a:ln>
+            <a:solidFill>
+              <a:srgbClr val="2B2B2B"/>
+            </a:solidFill>
+          </a:ln>
+        </p:spPr>
+        <p:style>
+          <a:lnRef idx="2">
+            <a:schemeClr val="accent1">
+              <a:shade val="50000"/>
+            </a:schemeClr>
+          </a:lnRef>
+          <a:fillRef idx="1">
+            <a:schemeClr val="accent1"/>
+          </a:fillRef>
+          <a:effectRef idx="0">
+            <a:schemeClr val="accent1"/>
+          </a:effectRef>
+          <a:fontRef idx="minor">
+            <a:schemeClr val="lt1"/>
+          </a:fontRef>
+        </p:style>
+        <p:txBody>
+          <a:bodyPr rtlCol="0" anchor="ctr"/>
+          <a:lstStyle/>
+          <a:p>
+            <a:pPr algn="ctr"/>
+            <a:endParaRPr lang="en-US"/>
+          </a:p>
+        </p:txBody>
+      </p:sp>
+      <p:sp>
+        <p:nvSpPr>
+          <p:cNvPr id="44" name="Arrow: Right 43">
+            <a:extLst>
+              <a:ext uri="{FF2B5EF4-FFF2-40B4-BE49-F238E27FC236}">
+                <a16:creationId xmlns:a16="http://schemas.microsoft.com/office/drawing/2014/main" id="{AA56EB52-B786-46BB-BC81-D913F6156BFD}"/>
+              </a:ext>
+            </a:extLst>
+          </p:cNvPr>
+          <p:cNvSpPr/>
+          <p:nvPr/>
+        </p:nvSpPr>
+        <p:spPr>
+          <a:xfrm>
+            <a:off x="1164645" y="3474107"/>
+            <a:ext cx="1078934" cy="425550"/>
+          </a:xfrm>
+          <a:prstGeom prst="rightArrow">
+            <a:avLst/>
+          </a:prstGeom>
+          <a:solidFill>
+            <a:srgbClr val="2B2B2B"/>
+          </a:solidFill>
+          <a:ln>
+            <a:solidFill>
+              <a:srgbClr val="2B2B2B"/>
+            </a:solidFill>
+          </a:ln>
+        </p:spPr>
+        <p:style>
+          <a:lnRef idx="2">
+            <a:schemeClr val="accent1">
+              <a:shade val="50000"/>
+            </a:schemeClr>
+          </a:lnRef>
+          <a:fillRef idx="1">
+            <a:schemeClr val="accent1"/>
+          </a:fillRef>
+          <a:effectRef idx="0">
+            <a:schemeClr val="accent1"/>
+          </a:effectRef>
+          <a:fontRef idx="minor">
+            <a:schemeClr val="lt1"/>
+          </a:fontRef>
+        </p:style>
+        <p:txBody>
+          <a:bodyPr rtlCol="0" anchor="ctr"/>
+          <a:lstStyle/>
+          <a:p>
+            <a:pPr algn="ctr"/>
+            <a:endParaRPr lang="en-US"/>
+          </a:p>
+        </p:txBody>
+      </p:sp>
+      <p:grpSp>
+        <p:nvGrpSpPr>
+          <p:cNvPr id="45" name="Group 44">
+            <a:extLst>
+              <a:ext uri="{FF2B5EF4-FFF2-40B4-BE49-F238E27FC236}">
+                <a16:creationId xmlns:a16="http://schemas.microsoft.com/office/drawing/2014/main" id="{037099B9-F150-439C-A648-0D9FA6A0BECC}"/>
+              </a:ext>
+            </a:extLst>
+          </p:cNvPr>
+          <p:cNvGrpSpPr/>
+          <p:nvPr/>
+        </p:nvGrpSpPr>
+        <p:grpSpPr>
+          <a:xfrm>
+            <a:off x="1169358" y="2185675"/>
+            <a:ext cx="400639" cy="377072"/>
+            <a:chOff x="5321431" y="1607270"/>
+            <a:chExt cx="400639" cy="377072"/>
+          </a:xfrm>
+        </p:grpSpPr>
+        <p:sp>
+          <p:nvSpPr>
+            <p:cNvPr id="46" name="Oval 45">
+              <a:extLst>
+                <a:ext uri="{FF2B5EF4-FFF2-40B4-BE49-F238E27FC236}">
+                  <a16:creationId xmlns:a16="http://schemas.microsoft.com/office/drawing/2014/main" id="{EEB6DFAD-83B6-4358-BDD5-002C669E1E05}"/>
+                </a:ext>
+              </a:extLst>
+            </p:cNvPr>
+            <p:cNvSpPr/>
+            <p:nvPr/>
+          </p:nvSpPr>
+          <p:spPr>
+            <a:xfrm flipH="1">
+              <a:off x="5321431" y="1607270"/>
+              <a:ext cx="400639" cy="377072"/>
+            </a:xfrm>
+            <a:prstGeom prst="ellipse">
+              <a:avLst/>
+            </a:prstGeom>
+            <a:solidFill>
+              <a:srgbClr val="F7B617"/>
+            </a:solidFill>
+            <a:ln>
+              <a:solidFill>
+                <a:srgbClr val="2B2B2B"/>
+              </a:solidFill>
+            </a:ln>
+          </p:spPr>
+          <p:style>
+            <a:lnRef idx="2">
+              <a:schemeClr val="accent1">
+                <a:shade val="50000"/>
+              </a:schemeClr>
+            </a:lnRef>
+            <a:fillRef idx="1">
+              <a:schemeClr val="accent1"/>
+            </a:fillRef>
+            <a:effectRef idx="0">
+              <a:schemeClr val="accent1"/>
+            </a:effectRef>
+            <a:fontRef idx="minor">
+              <a:schemeClr val="lt1"/>
+            </a:fontRef>
+          </p:style>
+          <p:txBody>
+            <a:bodyPr rtlCol="0" anchor="ctr"/>
+            <a:lstStyle/>
+            <a:p>
+              <a:pPr algn="ctr"/>
+              <a:endParaRPr lang="en-US"/>
+            </a:p>
+          </p:txBody>
+        </p:sp>
+        <p:sp>
+          <p:nvSpPr>
+            <p:cNvPr id="47" name="TextBox 46">
+              <a:extLst>
+                <a:ext uri="{FF2B5EF4-FFF2-40B4-BE49-F238E27FC236}">
+                  <a16:creationId xmlns:a16="http://schemas.microsoft.com/office/drawing/2014/main" id="{E38841D2-0383-427D-904A-35FD66A7B2AB}"/>
+                </a:ext>
+              </a:extLst>
+            </p:cNvPr>
+            <p:cNvSpPr txBox="1"/>
+            <p:nvPr/>
+          </p:nvSpPr>
+          <p:spPr>
+            <a:xfrm>
+              <a:off x="5468961" y="1621409"/>
+              <a:ext cx="45719" cy="307777"/>
+            </a:xfrm>
+            <a:prstGeom prst="rect">
+              <a:avLst/>
+            </a:prstGeom>
+            <a:noFill/>
+          </p:spPr>
+          <p:txBody>
+            <a:bodyPr wrap="square" rtlCol="0">
+              <a:spAutoFit/>
+            </a:bodyPr>
+            <a:lstStyle/>
+            <a:p>
+              <a:r>
+                <a:rPr lang="en-US" b="1" dirty="0">
+                  <a:solidFill>
+                    <a:srgbClr val="2B2B2B"/>
+                  </a:solidFill>
+                  <a:latin typeface="Raleway" panose="020B0604020202020204" charset="0"/>
+                </a:rPr>
+                <a:t>5</a:t>
+              </a:r>
+            </a:p>
+          </p:txBody>
+        </p:sp>
+      </p:grpSp>
+      <p:grpSp>
+        <p:nvGrpSpPr>
+          <p:cNvPr id="48" name="Group 47">
+            <a:extLst>
+              <a:ext uri="{FF2B5EF4-FFF2-40B4-BE49-F238E27FC236}">
+                <a16:creationId xmlns:a16="http://schemas.microsoft.com/office/drawing/2014/main" id="{9D081BA4-EB99-47E8-85AF-B9E7CB0E3E9F}"/>
+              </a:ext>
+            </a:extLst>
+          </p:cNvPr>
+          <p:cNvGrpSpPr/>
+          <p:nvPr/>
+        </p:nvGrpSpPr>
+        <p:grpSpPr>
+          <a:xfrm>
+            <a:off x="1226861" y="3498346"/>
+            <a:ext cx="400639" cy="377072"/>
+            <a:chOff x="5321431" y="1607270"/>
+            <a:chExt cx="400639" cy="377072"/>
+          </a:xfrm>
+        </p:grpSpPr>
+        <p:sp>
+          <p:nvSpPr>
+            <p:cNvPr id="49" name="Oval 48">
+              <a:extLst>
+                <a:ext uri="{FF2B5EF4-FFF2-40B4-BE49-F238E27FC236}">
+                  <a16:creationId xmlns:a16="http://schemas.microsoft.com/office/drawing/2014/main" id="{FFF69590-EBCD-498F-A9A6-FBA64C5D0202}"/>
+                </a:ext>
+              </a:extLst>
+            </p:cNvPr>
+            <p:cNvSpPr/>
+            <p:nvPr/>
+          </p:nvSpPr>
+          <p:spPr>
+            <a:xfrm flipH="1">
+              <a:off x="5321431" y="1607270"/>
+              <a:ext cx="400639" cy="377072"/>
+            </a:xfrm>
+            <a:prstGeom prst="ellipse">
+              <a:avLst/>
+            </a:prstGeom>
+            <a:solidFill>
+              <a:srgbClr val="F7B617"/>
+            </a:solidFill>
+            <a:ln>
+              <a:solidFill>
+                <a:srgbClr val="2B2B2B"/>
+              </a:solidFill>
+            </a:ln>
+          </p:spPr>
+          <p:style>
+            <a:lnRef idx="2">
+              <a:schemeClr val="accent1">
+                <a:shade val="50000"/>
+              </a:schemeClr>
+            </a:lnRef>
+            <a:fillRef idx="1">
+              <a:schemeClr val="accent1"/>
+            </a:fillRef>
+            <a:effectRef idx="0">
+              <a:schemeClr val="accent1"/>
+            </a:effectRef>
+            <a:fontRef idx="minor">
+              <a:schemeClr val="lt1"/>
+            </a:fontRef>
+          </p:style>
+          <p:txBody>
+            <a:bodyPr rtlCol="0" anchor="ctr"/>
+            <a:lstStyle/>
+            <a:p>
+              <a:pPr algn="ctr"/>
+              <a:endParaRPr lang="en-US"/>
+            </a:p>
+          </p:txBody>
+        </p:sp>
+        <p:sp>
+          <p:nvSpPr>
+            <p:cNvPr id="50" name="TextBox 49">
+              <a:extLst>
+                <a:ext uri="{FF2B5EF4-FFF2-40B4-BE49-F238E27FC236}">
+                  <a16:creationId xmlns:a16="http://schemas.microsoft.com/office/drawing/2014/main" id="{23EBA605-8E4F-459C-A524-60B95BD2DF16}"/>
+                </a:ext>
+              </a:extLst>
+            </p:cNvPr>
+            <p:cNvSpPr txBox="1"/>
+            <p:nvPr/>
+          </p:nvSpPr>
+          <p:spPr>
+            <a:xfrm>
+              <a:off x="5468961" y="1621409"/>
+              <a:ext cx="45719" cy="307777"/>
+            </a:xfrm>
+            <a:prstGeom prst="rect">
+              <a:avLst/>
+            </a:prstGeom>
+            <a:noFill/>
+          </p:spPr>
+          <p:txBody>
+            <a:bodyPr wrap="square" rtlCol="0">
+              <a:spAutoFit/>
+            </a:bodyPr>
+            <a:lstStyle/>
+            <a:p>
+              <a:r>
+                <a:rPr lang="en-US" b="1" dirty="0">
+                  <a:solidFill>
+                    <a:srgbClr val="2B2B2B"/>
+                  </a:solidFill>
+                  <a:latin typeface="Raleway" panose="020B0604020202020204" charset="0"/>
+                </a:rPr>
+                <a:t>5</a:t>
+              </a:r>
+            </a:p>
+          </p:txBody>
+        </p:sp>
+      </p:grpSp>
+    </p:spTree>
+    <p:extLst>
+      <p:ext uri="{BB962C8B-B14F-4D97-AF65-F5344CB8AC3E}">
+        <p14:creationId xmlns:p14="http://schemas.microsoft.com/office/powerpoint/2010/main" val="1885147317"/>
+      </p:ext>
+    </p:extLst>
+  </p:cSld>
+  <p:clrMapOvr>
+    <a:masterClrMapping/>
+  </p:clrMapOvr>
+</p:sld>
+</file>
+
+<file path=ppt/slides/slide4.xml><?xml version="1.0" encoding="utf-8"?>
+<p:sld xmlns:a="http://schemas.openxmlformats.org/drawingml/2006/main" xmlns:r="http://schemas.openxmlformats.org/officeDocument/2006/relationships" xmlns:p="http://schemas.openxmlformats.org/presentationml/2006/main">
+  <p:cSld>
+    <p:spTree>
+      <p:nvGrpSpPr>
+        <p:cNvPr id="1" name="Shape 392"/>
+        <p:cNvGrpSpPr/>
+        <p:nvPr/>
+      </p:nvGrpSpPr>
+      <p:grpSpPr>
+        <a:xfrm>
+          <a:off x="0" y="0"/>
+          <a:ext cx="0" cy="0"/>
+          <a:chOff x="0" y="0"/>
+          <a:chExt cx="0" cy="0"/>
+        </a:xfrm>
+      </p:grpSpPr>
+      <p:sp>
+        <p:nvSpPr>
+          <p:cNvPr id="393" name="Shape 393"/>
+          <p:cNvSpPr txBox="1">
+            <a:spLocks noGrp="1"/>
+          </p:cNvSpPr>
+          <p:nvPr>
+            <p:ph type="body" idx="1"/>
+          </p:nvPr>
+        </p:nvSpPr>
+        <p:spPr>
+          <a:xfrm>
+            <a:off x="457199" y="1628481"/>
+            <a:ext cx="8342723" cy="4526100"/>
+          </a:xfrm>
+          <a:prstGeom prst="rect">
+            <a:avLst/>
+          </a:prstGeom>
+          <a:noFill/>
+          <a:ln>
+            <a:noFill/>
+          </a:ln>
+        </p:spPr>
+        <p:txBody>
+          <a:bodyPr lIns="91425" tIns="45700" rIns="91425" bIns="45700" anchor="t" anchorCtr="0">
+            <a:noAutofit/>
+          </a:bodyPr>
+          <a:lstStyle/>
+          <a:p>
+            <a:pPr indent="-342900">
               <a:lnSpc>
                 <a:spcPct val="90000"/>
               </a:lnSpc>
               <a:spcBef>
                 <a:spcPts val="0"/>
               </a:spcBef>
-              <a:buClr>
-                <a:schemeClr val="dk1"/>
-              </a:buClr>
               <a:buSzPct val="25000"/>
-              <a:buFont typeface="Arial"/>
-              <a:buNone/>
             </a:pPr>
             <a:r>
-              <a:rPr lang="es-VE" sz="1850" b="0" i="0" u="none" strike="noStrike" cap="none" dirty="0">
-                <a:solidFill>
-                  <a:schemeClr val="dk1"/>
-                </a:solidFill>
+              <a:rPr lang="es-VE" sz="1850" dirty="0">
+                <a:latin typeface="Raleway" panose="020B0604020202020204" charset="0"/>
               </a:rPr>
-              <a:t>Texto</a:t>
+              <a:t>Fácil de entender y leer</a:t>
             </a:r>
-            <a:endParaRPr lang="es-VE" sz="1850" dirty="0"/>
+          </a:p>
+          <a:p>
+            <a:pPr indent="-342900">
+              <a:lnSpc>
+                <a:spcPct val="90000"/>
+              </a:lnSpc>
+              <a:spcBef>
+                <a:spcPts val="0"/>
+              </a:spcBef>
+              <a:buSzPct val="25000"/>
+            </a:pPr>
+            <a:endParaRPr lang="es-VE" sz="1850" dirty="0">
+              <a:latin typeface="Raleway" panose="020B0604020202020204" charset="0"/>
+            </a:endParaRPr>
+          </a:p>
+          <a:p>
+            <a:pPr indent="-342900">
+              <a:lnSpc>
+                <a:spcPct val="90000"/>
+              </a:lnSpc>
+              <a:spcBef>
+                <a:spcPts val="0"/>
+              </a:spcBef>
+              <a:buSzPct val="25000"/>
+            </a:pPr>
+            <a:r>
+              <a:rPr lang="es-VE" sz="1850" dirty="0">
+                <a:latin typeface="Raleway" panose="020B0604020202020204" charset="0"/>
+              </a:rPr>
+              <a:t>Escoger los elementos de información adecuados (No demasiados, pero tampoco muy pocos)</a:t>
+            </a:r>
+          </a:p>
+          <a:p>
+            <a:pPr indent="-342900">
+              <a:lnSpc>
+                <a:spcPct val="90000"/>
+              </a:lnSpc>
+              <a:spcBef>
+                <a:spcPts val="0"/>
+              </a:spcBef>
+              <a:buSzPct val="25000"/>
+            </a:pPr>
+            <a:endParaRPr lang="es-VE" sz="1850" dirty="0">
+              <a:latin typeface="Raleway" panose="020B0604020202020204" charset="0"/>
+            </a:endParaRPr>
+          </a:p>
+          <a:p>
+            <a:pPr indent="-342900">
+              <a:lnSpc>
+                <a:spcPct val="90000"/>
+              </a:lnSpc>
+              <a:spcBef>
+                <a:spcPts val="0"/>
+              </a:spcBef>
+              <a:buSzPct val="25000"/>
+            </a:pPr>
+            <a:r>
+              <a:rPr lang="es-VE" sz="1850" dirty="0">
+                <a:latin typeface="Raleway" panose="020B0604020202020204" charset="0"/>
+              </a:rPr>
+              <a:t>Poder visualizar todo en un solo sitio sin tener que desplazarse. </a:t>
+            </a:r>
+          </a:p>
+          <a:p>
+            <a:pPr indent="-342900">
+              <a:lnSpc>
+                <a:spcPct val="90000"/>
+              </a:lnSpc>
+              <a:spcBef>
+                <a:spcPts val="0"/>
+              </a:spcBef>
+              <a:buSzPct val="25000"/>
+            </a:pPr>
+            <a:endParaRPr lang="es-VE" sz="1850" dirty="0">
+              <a:latin typeface="Raleway" panose="020B0604020202020204" charset="0"/>
+            </a:endParaRPr>
+          </a:p>
+          <a:p>
+            <a:pPr indent="-342900">
+              <a:lnSpc>
+                <a:spcPct val="90000"/>
+              </a:lnSpc>
+              <a:spcBef>
+                <a:spcPts val="0"/>
+              </a:spcBef>
+              <a:buSzPct val="25000"/>
+            </a:pPr>
+            <a:r>
+              <a:rPr lang="es-VE" sz="1850" dirty="0">
+                <a:latin typeface="Raleway" panose="020B0604020202020204" charset="0"/>
+              </a:rPr>
+              <a:t>Identificar los elementos con títulos claros</a:t>
+            </a:r>
+          </a:p>
+          <a:p>
+            <a:pPr indent="-342900">
+              <a:lnSpc>
+                <a:spcPct val="90000"/>
+              </a:lnSpc>
+              <a:spcBef>
+                <a:spcPts val="0"/>
+              </a:spcBef>
+              <a:buSzPct val="25000"/>
+            </a:pPr>
+            <a:endParaRPr lang="es-VE" sz="1850" dirty="0">
+              <a:latin typeface="Raleway" panose="020B0604020202020204" charset="0"/>
+            </a:endParaRPr>
+          </a:p>
+          <a:p>
+            <a:pPr indent="-342900">
+              <a:lnSpc>
+                <a:spcPct val="90000"/>
+              </a:lnSpc>
+              <a:spcBef>
+                <a:spcPts val="0"/>
+              </a:spcBef>
+              <a:buSzPct val="25000"/>
+            </a:pPr>
+            <a:r>
+              <a:rPr lang="es-VE" sz="1850" dirty="0">
+                <a:latin typeface="Raleway" panose="020B0604020202020204" charset="0"/>
+              </a:rPr>
+              <a:t>Usar los colores que acompañen la sicología y a la empresa u organización a la que se le hace el análisis. </a:t>
+            </a:r>
           </a:p>
         </p:txBody>
       </p:sp>
@@ -10742,7 +12962,7 @@
               <a:buNone/>
             </a:pPr>
             <a:r>
-              <a:rPr lang="es-GT" sz="3600" dirty="0">
+              <a:rPr lang="es-GT" sz="3600" b="0" i="0" u="none" strike="noStrike" cap="none" dirty="0">
                 <a:solidFill>
                   <a:srgbClr val="F7B600"/>
                 </a:solidFill>
@@ -10751,7 +12971,399 @@
                 <a:cs typeface="Raleway"/>
                 <a:sym typeface="Raleway"/>
               </a:rPr>
-              <a:t>Título</a:t>
+              <a:t>UX en un tablero de información</a:t>
+            </a:r>
+          </a:p>
+        </p:txBody>
+      </p:sp>
+    </p:spTree>
+    <p:extLst>
+      <p:ext uri="{BB962C8B-B14F-4D97-AF65-F5344CB8AC3E}">
+        <p14:creationId xmlns:p14="http://schemas.microsoft.com/office/powerpoint/2010/main" val="2565506161"/>
+      </p:ext>
+    </p:extLst>
+  </p:cSld>
+  <p:clrMapOvr>
+    <a:masterClrMapping/>
+  </p:clrMapOvr>
+</p:sld>
+</file>
+
+<file path=ppt/slides/slide5.xml><?xml version="1.0" encoding="utf-8"?>
+<p:sld xmlns:a="http://schemas.openxmlformats.org/drawingml/2006/main" xmlns:r="http://schemas.openxmlformats.org/officeDocument/2006/relationships" xmlns:p="http://schemas.openxmlformats.org/presentationml/2006/main">
+  <p:cSld>
+    <p:spTree>
+      <p:nvGrpSpPr>
+        <p:cNvPr id="1" name="Shape 392"/>
+        <p:cNvGrpSpPr/>
+        <p:nvPr/>
+      </p:nvGrpSpPr>
+      <p:grpSpPr>
+        <a:xfrm>
+          <a:off x="0" y="0"/>
+          <a:ext cx="0" cy="0"/>
+          <a:chOff x="0" y="0"/>
+          <a:chExt cx="0" cy="0"/>
+        </a:xfrm>
+      </p:grpSpPr>
+      <p:sp>
+        <p:nvSpPr>
+          <p:cNvPr id="393" name="Shape 393"/>
+          <p:cNvSpPr txBox="1">
+            <a:spLocks noGrp="1"/>
+          </p:cNvSpPr>
+          <p:nvPr>
+            <p:ph type="body" idx="1"/>
+          </p:nvPr>
+        </p:nvSpPr>
+        <p:spPr>
+          <a:xfrm>
+            <a:off x="457200" y="1628481"/>
+            <a:ext cx="8229600" cy="4526100"/>
+          </a:xfrm>
+          <a:prstGeom prst="rect">
+            <a:avLst/>
+          </a:prstGeom>
+          <a:noFill/>
+          <a:ln>
+            <a:noFill/>
+          </a:ln>
+        </p:spPr>
+        <p:txBody>
+          <a:bodyPr lIns="91425" tIns="45700" rIns="91425" bIns="45700" anchor="t" anchorCtr="0">
+            <a:noAutofit/>
+          </a:bodyPr>
+          <a:lstStyle/>
+          <a:p>
+            <a:pPr marL="0" lvl="0" indent="0">
+              <a:lnSpc>
+                <a:spcPct val="90000"/>
+              </a:lnSpc>
+              <a:spcBef>
+                <a:spcPts val="0"/>
+              </a:spcBef>
+              <a:buSzPct val="25000"/>
+              <a:buNone/>
+            </a:pPr>
+            <a:r>
+              <a:rPr lang="es-ES" sz="1850" dirty="0">
+                <a:latin typeface="Raleway" panose="020B0604020202020204" charset="0"/>
+              </a:rPr>
+              <a:t>En general rige el principio de mientras más mejor. </a:t>
+            </a:r>
+          </a:p>
+          <a:p>
+            <a:pPr marL="0" lvl="0" indent="0">
+              <a:lnSpc>
+                <a:spcPct val="90000"/>
+              </a:lnSpc>
+              <a:spcBef>
+                <a:spcPts val="0"/>
+              </a:spcBef>
+              <a:buSzPct val="25000"/>
+              <a:buNone/>
+            </a:pPr>
+            <a:endParaRPr lang="es-ES" sz="1850" dirty="0">
+              <a:latin typeface="Raleway" panose="020B0604020202020204" charset="0"/>
+            </a:endParaRPr>
+          </a:p>
+          <a:p>
+            <a:pPr marL="0" lvl="0" indent="0">
+              <a:lnSpc>
+                <a:spcPct val="90000"/>
+              </a:lnSpc>
+              <a:spcBef>
+                <a:spcPts val="0"/>
+              </a:spcBef>
+              <a:buSzPct val="25000"/>
+              <a:buNone/>
+            </a:pPr>
+            <a:r>
+              <a:rPr lang="es-ES" sz="1850" dirty="0">
+                <a:latin typeface="Raleway" panose="020B0604020202020204" charset="0"/>
+              </a:rPr>
+              <a:t>Aunque no siempre se aplica, dado que se puede dar el caso en que al agregar exceso de filtros las visualizaciones pierdan sentido. </a:t>
+            </a:r>
+          </a:p>
+          <a:p>
+            <a:pPr marL="0" lvl="0" indent="0">
+              <a:lnSpc>
+                <a:spcPct val="90000"/>
+              </a:lnSpc>
+              <a:spcBef>
+                <a:spcPts val="0"/>
+              </a:spcBef>
+              <a:buSzPct val="25000"/>
+              <a:buNone/>
+            </a:pPr>
+            <a:endParaRPr lang="es-ES" sz="1850" dirty="0">
+              <a:latin typeface="Raleway" panose="020B0604020202020204" charset="0"/>
+            </a:endParaRPr>
+          </a:p>
+          <a:p>
+            <a:pPr marL="0" lvl="0" indent="0">
+              <a:lnSpc>
+                <a:spcPct val="90000"/>
+              </a:lnSpc>
+              <a:spcBef>
+                <a:spcPts val="0"/>
+              </a:spcBef>
+              <a:buSzPct val="25000"/>
+              <a:buNone/>
+            </a:pPr>
+            <a:r>
+              <a:rPr lang="es-ES" sz="1850" dirty="0">
+                <a:latin typeface="Raleway" panose="020B0604020202020204" charset="0"/>
+              </a:rPr>
+              <a:t>Para ello se sugieren los siguientes pasos: </a:t>
+            </a:r>
+          </a:p>
+          <a:p>
+            <a:pPr marL="0" indent="0">
+              <a:lnSpc>
+                <a:spcPct val="90000"/>
+              </a:lnSpc>
+              <a:spcBef>
+                <a:spcPts val="0"/>
+              </a:spcBef>
+              <a:buSzPct val="25000"/>
+              <a:buNone/>
+            </a:pPr>
+            <a:endParaRPr lang="es-ES" sz="1850" dirty="0">
+              <a:latin typeface="Raleway" panose="020B0604020202020204" charset="0"/>
+            </a:endParaRPr>
+          </a:p>
+          <a:p>
+            <a:pPr marL="400050" lvl="1" indent="0">
+              <a:lnSpc>
+                <a:spcPct val="90000"/>
+              </a:lnSpc>
+              <a:spcBef>
+                <a:spcPts val="0"/>
+              </a:spcBef>
+              <a:buSzPct val="25000"/>
+              <a:buNone/>
+            </a:pPr>
+            <a:r>
+              <a:rPr lang="es-ES" sz="1450" dirty="0">
+                <a:latin typeface="Raleway" panose="020B0604020202020204" charset="0"/>
+              </a:rPr>
+              <a:t>1. Interconectar todos los elementos de un tablero de información y permitir que cada elemento pueda filtrar a los otros. </a:t>
+            </a:r>
+          </a:p>
+          <a:p>
+            <a:pPr marL="400050" lvl="1" indent="0">
+              <a:lnSpc>
+                <a:spcPct val="90000"/>
+              </a:lnSpc>
+              <a:spcBef>
+                <a:spcPts val="0"/>
+              </a:spcBef>
+              <a:buSzPct val="25000"/>
+              <a:buNone/>
+            </a:pPr>
+            <a:r>
+              <a:rPr lang="es-ES" sz="1450" dirty="0">
+                <a:latin typeface="Raleway" panose="020B0604020202020204" charset="0"/>
+              </a:rPr>
+              <a:t>2. Recorrer el tablero de información jugando con la data y ver cómo reaccionan todos los elementos de información a cada filtro. </a:t>
+            </a:r>
+          </a:p>
+          <a:p>
+            <a:pPr marL="400050" lvl="1" indent="0">
+              <a:lnSpc>
+                <a:spcPct val="90000"/>
+              </a:lnSpc>
+              <a:spcBef>
+                <a:spcPts val="0"/>
+              </a:spcBef>
+              <a:buSzPct val="25000"/>
+              <a:buNone/>
+            </a:pPr>
+            <a:r>
+              <a:rPr lang="es-ES" sz="1450" dirty="0">
+                <a:latin typeface="Raleway" panose="020B0604020202020204" charset="0"/>
+              </a:rPr>
+              <a:t>3. Si se encuentra que un filtro deja sin sentido los demás elementos, considerar removerlo o ajustarlo. </a:t>
+            </a:r>
+          </a:p>
+          <a:p>
+            <a:pPr marL="400050" lvl="1" indent="0">
+              <a:lnSpc>
+                <a:spcPct val="90000"/>
+              </a:lnSpc>
+              <a:spcBef>
+                <a:spcPts val="0"/>
+              </a:spcBef>
+              <a:buSzPct val="25000"/>
+              <a:buNone/>
+            </a:pPr>
+            <a:r>
+              <a:rPr lang="es-ES" sz="1450" dirty="0">
+                <a:latin typeface="Raleway" panose="020B0604020202020204" charset="0"/>
+              </a:rPr>
+              <a:t>4. Repetir el paso 2 y 3 hasta llegar a un tablero dinámico con el que es sencillo y amigable interactuar. </a:t>
+            </a:r>
+            <a:endParaRPr lang="es-VE" sz="1450" dirty="0">
+              <a:latin typeface="Raleway" panose="020B0604020202020204" charset="0"/>
+            </a:endParaRPr>
+          </a:p>
+        </p:txBody>
+      </p:sp>
+      <p:sp>
+        <p:nvSpPr>
+          <p:cNvPr id="394" name="Shape 394"/>
+          <p:cNvSpPr txBox="1">
+            <a:spLocks noGrp="1"/>
+          </p:cNvSpPr>
+          <p:nvPr>
+            <p:ph type="title"/>
+          </p:nvPr>
+        </p:nvSpPr>
+        <p:spPr>
+          <a:xfrm>
+            <a:off x="666539" y="209956"/>
+            <a:ext cx="5192220" cy="428400"/>
+          </a:xfrm>
+          <a:prstGeom prst="rect">
+            <a:avLst/>
+          </a:prstGeom>
+          <a:noFill/>
+          <a:ln>
+            <a:noFill/>
+          </a:ln>
+        </p:spPr>
+        <p:txBody>
+          <a:bodyPr lIns="91425" tIns="45700" rIns="91425" bIns="45700" anchor="ctr" anchorCtr="0">
+            <a:noAutofit/>
+          </a:bodyPr>
+          <a:lstStyle/>
+          <a:p>
+            <a:pPr marL="0" marR="0" lvl="0" indent="0" algn="l" rtl="0">
+              <a:spcBef>
+                <a:spcPts val="0"/>
+              </a:spcBef>
+              <a:buClr>
+                <a:srgbClr val="F7B600"/>
+              </a:buClr>
+              <a:buSzPct val="25000"/>
+              <a:buFont typeface="Arial"/>
+              <a:buNone/>
+            </a:pPr>
+            <a:r>
+              <a:rPr lang="es-VE" sz="1200" dirty="0">
+                <a:solidFill>
+                  <a:srgbClr val="F7B600"/>
+                </a:solidFill>
+                <a:latin typeface="Montserrat"/>
+                <a:ea typeface="Montserrat"/>
+                <a:cs typeface="Montserrat"/>
+                <a:sym typeface="Montserrat"/>
+              </a:rPr>
+              <a:t>7</a:t>
+            </a:r>
+            <a:r>
+              <a:rPr lang="es-VE" sz="1200" i="0" u="none" strike="noStrike" cap="none" dirty="0">
+                <a:solidFill>
+                  <a:srgbClr val="F7B600"/>
+                </a:solidFill>
+                <a:latin typeface="Montserrat"/>
+                <a:ea typeface="Montserrat"/>
+                <a:cs typeface="Montserrat"/>
+                <a:sym typeface="Montserrat"/>
+              </a:rPr>
+              <a:t>.1 Introducción a un Tablero </a:t>
+            </a:r>
+            <a:r>
+              <a:rPr lang="es-VE" sz="1200" i="0" u="none" strike="noStrike" cap="none">
+                <a:solidFill>
+                  <a:srgbClr val="F7B600"/>
+                </a:solidFill>
+                <a:latin typeface="Montserrat"/>
+                <a:ea typeface="Montserrat"/>
+                <a:cs typeface="Montserrat"/>
+                <a:sym typeface="Montserrat"/>
+              </a:rPr>
+              <a:t>de Información</a:t>
+            </a:r>
+            <a:endParaRPr lang="es-VE" sz="1200" i="0" u="none" strike="noStrike" cap="none" dirty="0">
+              <a:solidFill>
+                <a:srgbClr val="F7B600"/>
+              </a:solidFill>
+              <a:latin typeface="Montserrat"/>
+              <a:ea typeface="Montserrat"/>
+              <a:cs typeface="Montserrat"/>
+              <a:sym typeface="Montserrat"/>
+            </a:endParaRPr>
+          </a:p>
+        </p:txBody>
+      </p:sp>
+      <p:pic>
+        <p:nvPicPr>
+          <p:cNvPr id="395" name="Shape 395" descr="isotipo codeacademy.png"/>
+          <p:cNvPicPr preferRelativeResize="0"/>
+          <p:nvPr/>
+        </p:nvPicPr>
+        <p:blipFill rotWithShape="1">
+          <a:blip r:embed="rId3">
+            <a:alphaModFix/>
+          </a:blip>
+          <a:srcRect/>
+          <a:stretch/>
+        </p:blipFill>
+        <p:spPr>
+          <a:xfrm>
+            <a:off x="131781" y="126082"/>
+            <a:ext cx="548100" cy="548100"/>
+          </a:xfrm>
+          <a:prstGeom prst="rect">
+            <a:avLst/>
+          </a:prstGeom>
+          <a:noFill/>
+          <a:ln>
+            <a:noFill/>
+          </a:ln>
+        </p:spPr>
+      </p:pic>
+      <p:sp>
+        <p:nvSpPr>
+          <p:cNvPr id="396" name="Shape 396"/>
+          <p:cNvSpPr txBox="1"/>
+          <p:nvPr/>
+        </p:nvSpPr>
+        <p:spPr>
+          <a:xfrm>
+            <a:off x="1117077" y="674182"/>
+            <a:ext cx="7107810" cy="646200"/>
+          </a:xfrm>
+          <a:prstGeom prst="rect">
+            <a:avLst/>
+          </a:prstGeom>
+          <a:noFill/>
+          <a:ln>
+            <a:noFill/>
+          </a:ln>
+        </p:spPr>
+        <p:txBody>
+          <a:bodyPr lIns="91425" tIns="45700" rIns="91425" bIns="45700" anchor="t" anchorCtr="0">
+            <a:noAutofit/>
+          </a:bodyPr>
+          <a:lstStyle/>
+          <a:p>
+            <a:pPr lvl="0">
+              <a:buSzPct val="25000"/>
+            </a:pPr>
+            <a:r>
+              <a:rPr lang="es-GT" sz="3600" dirty="0">
+                <a:solidFill>
+                  <a:srgbClr val="F7B600"/>
+                </a:solidFill>
+                <a:latin typeface="Raleway"/>
+                <a:ea typeface="Raleway"/>
+                <a:cs typeface="Raleway"/>
+                <a:sym typeface="Raleway"/>
+              </a:rPr>
+              <a:t>Decisión de Interactividad</a:t>
             </a:r>
             <a:endParaRPr lang="es-GT" sz="3600" b="0" i="0" u="none" strike="noStrike" cap="none" dirty="0">
               <a:solidFill>
@@ -10765,94 +13377,10 @@
           </a:p>
         </p:txBody>
       </p:sp>
-      <p:pic>
-        <p:nvPicPr>
-          <p:cNvPr id="2" name="Picture 1">
-            <a:extLst>
-              <a:ext uri="{FF2B5EF4-FFF2-40B4-BE49-F238E27FC236}">
-                <a16:creationId xmlns:a16="http://schemas.microsoft.com/office/drawing/2014/main" id="{91B830B8-08E2-40CE-B486-C3DD8D177886}"/>
-              </a:ext>
-            </a:extLst>
-          </p:cNvPr>
-          <p:cNvPicPr>
-            <a:picLocks noChangeAspect="1"/>
-          </p:cNvPicPr>
-          <p:nvPr/>
-        </p:nvPicPr>
-        <p:blipFill>
-          <a:blip r:embed="rId4"/>
-          <a:stretch>
-            <a:fillRect/>
-          </a:stretch>
-        </p:blipFill>
-        <p:spPr>
-          <a:xfrm>
-            <a:off x="3647635" y="1735780"/>
-            <a:ext cx="5039165" cy="3062463"/>
-          </a:xfrm>
-          <a:prstGeom prst="rect">
-            <a:avLst/>
-          </a:prstGeom>
-        </p:spPr>
-      </p:pic>
-      <p:sp>
-        <p:nvSpPr>
-          <p:cNvPr id="3" name="TextBox 2">
-            <a:extLst>
-              <a:ext uri="{FF2B5EF4-FFF2-40B4-BE49-F238E27FC236}">
-                <a16:creationId xmlns:a16="http://schemas.microsoft.com/office/drawing/2014/main" id="{7F5BEEBE-3874-4AAC-B567-31FC6FC3C122}"/>
-              </a:ext>
-            </a:extLst>
-          </p:cNvPr>
-          <p:cNvSpPr txBox="1"/>
-          <p:nvPr/>
-        </p:nvSpPr>
-        <p:spPr>
-          <a:xfrm flipH="1">
-            <a:off x="74707" y="6203443"/>
-            <a:ext cx="9192549" cy="738664"/>
-          </a:xfrm>
-          <a:prstGeom prst="rect">
-            <a:avLst/>
-          </a:prstGeom>
-          <a:noFill/>
-        </p:spPr>
-        <p:txBody>
-          <a:bodyPr wrap="square" rtlCol="0">
-            <a:spAutoFit/>
-          </a:bodyPr>
-          <a:lstStyle/>
-          <a:p>
-            <a:r>
-              <a:rPr lang="es-VE" b="1" dirty="0">
-                <a:latin typeface="Raleway" panose="020B0604020202020204" charset="0"/>
-              </a:rPr>
-              <a:t>Fuente de la Imagen: </a:t>
-            </a:r>
-          </a:p>
-          <a:p>
-            <a:r>
-              <a:rPr lang="es-VE" dirty="0">
-                <a:latin typeface="Raleway" panose="020B0604020202020204" charset="0"/>
-                <a:hlinkClick r:id="rId5"/>
-              </a:rPr>
-              <a:t>https://blog.es.logicalis.com/analytics/tableros-de-control-indicadores-y-buenas-practicas</a:t>
-            </a:r>
-            <a:endParaRPr lang="es-VE" dirty="0">
-              <a:latin typeface="Raleway" panose="020B0604020202020204" charset="0"/>
-            </a:endParaRPr>
-          </a:p>
-          <a:p>
-            <a:endParaRPr lang="en-US" dirty="0">
-              <a:latin typeface="Raleway" panose="020B0604020202020204" charset="0"/>
-            </a:endParaRPr>
-          </a:p>
-        </p:txBody>
-      </p:sp>
     </p:spTree>
     <p:extLst>
       <p:ext uri="{BB962C8B-B14F-4D97-AF65-F5344CB8AC3E}">
-        <p14:creationId xmlns:p14="http://schemas.microsoft.com/office/powerpoint/2010/main" val="1885147317"/>
+        <p14:creationId xmlns:p14="http://schemas.microsoft.com/office/powerpoint/2010/main" val="2638708842"/>
       </p:ext>
     </p:extLst>
   </p:cSld>
